--- a/Slides/2 - Mastering the user experience.pptx
+++ b/Slides/2 - Mastering the user experience.pptx
@@ -5,10 +5,10 @@
     <p:sldMasterId id="2147484082" r:id="rId34"/>
   </p:sldMasterIdLst>
   <p:notesMasterIdLst>
-    <p:notesMasterId r:id="rId56"/>
+    <p:notesMasterId r:id="rId57"/>
   </p:notesMasterIdLst>
   <p:handoutMasterIdLst>
-    <p:handoutMasterId r:id="rId57"/>
+    <p:handoutMasterId r:id="rId58"/>
   </p:handoutMasterIdLst>
   <p:sldIdLst>
     <p:sldId id="283" r:id="rId35"/>
@@ -21,17 +21,18 @@
     <p:sldId id="297" r:id="rId42"/>
     <p:sldId id="302" r:id="rId43"/>
     <p:sldId id="296" r:id="rId44"/>
-    <p:sldId id="300" r:id="rId45"/>
-    <p:sldId id="301" r:id="rId46"/>
-    <p:sldId id="292" r:id="rId47"/>
-    <p:sldId id="299" r:id="rId48"/>
-    <p:sldId id="303" r:id="rId49"/>
-    <p:sldId id="304" r:id="rId50"/>
-    <p:sldId id="305" r:id="rId51"/>
-    <p:sldId id="306" r:id="rId52"/>
-    <p:sldId id="307" r:id="rId53"/>
-    <p:sldId id="308" r:id="rId54"/>
-    <p:sldId id="257" r:id="rId55"/>
+    <p:sldId id="301" r:id="rId45"/>
+    <p:sldId id="309" r:id="rId46"/>
+    <p:sldId id="300" r:id="rId47"/>
+    <p:sldId id="292" r:id="rId48"/>
+    <p:sldId id="299" r:id="rId49"/>
+    <p:sldId id="303" r:id="rId50"/>
+    <p:sldId id="304" r:id="rId51"/>
+    <p:sldId id="305" r:id="rId52"/>
+    <p:sldId id="306" r:id="rId53"/>
+    <p:sldId id="307" r:id="rId54"/>
+    <p:sldId id="308" r:id="rId55"/>
+    <p:sldId id="257" r:id="rId56"/>
   </p:sldIdLst>
   <p:sldSz cx="12436475" cy="6994525"/>
   <p:notesSz cx="6858000" cy="9144000"/>
@@ -145,8 +146,9 @@
             <p14:sldId id="297"/>
             <p14:sldId id="302"/>
             <p14:sldId id="296"/>
+            <p14:sldId id="301"/>
+            <p14:sldId id="309"/>
             <p14:sldId id="300"/>
-            <p14:sldId id="301"/>
             <p14:sldId id="292"/>
             <p14:sldId id="299"/>
             <p14:sldId id="303"/>
@@ -291,7 +293,7 @@
               <a:rPr lang="en-US" smtClean="0">
                 <a:latin typeface="Segoe UI" pitchFamily="34" charset="0"/>
               </a:rPr>
-              <a:t>6/1/2017 11:07 AM</a:t>
+              <a:t>6/9/2017 2:49 PM</a:t>
             </a:fld>
             <a:endParaRPr lang="en-US" dirty="0">
               <a:latin typeface="Segoe UI" pitchFamily="34" charset="0"/>
@@ -569,7 +571,7 @@
           <a:p>
             <a:fld id="{38EEC551-8CDA-4EB6-89BB-2A86C9F091C8}" type="datetime8">
               <a:rPr lang="en-US" smtClean="0"/>
-              <a:t>6/1/2017 11:07 AM</a:t>
+              <a:t>6/9/2017 2:46 PM</a:t>
             </a:fld>
             <a:endParaRPr lang="en-US" dirty="0"/>
           </a:p>
@@ -960,7 +962,7 @@
           <a:p>
             <a:fld id="{38EEC551-8CDA-4EB6-89BB-2A86C9F091C8}" type="datetime8">
               <a:rPr lang="en-US" smtClean="0"/>
-              <a:t>6/1/2017 11:07 AM</a:t>
+              <a:t>6/9/2017 2:46 PM</a:t>
             </a:fld>
             <a:endParaRPr lang="en-US" dirty="0"/>
           </a:p>
@@ -1198,7 +1200,7 @@
                 <a:tabLst/>
                 <a:defRPr/>
               </a:pPr>
-              <a:t>6/1/2017 11:07 AM</a:t>
+              <a:t>6/9/2017 2:46 PM</a:t>
             </a:fld>
             <a:endParaRPr kumimoji="0" lang="en-US" sz="1200" b="0" i="0" u="none" strike="noStrike" kern="1200" cap="none" spc="0" normalizeH="0" baseline="0" noProof="0" dirty="0">
               <a:ln>
@@ -1517,7 +1519,7 @@
           <a:p>
             <a:fld id="{38EEC551-8CDA-4EB6-89BB-2A86C9F091C8}" type="datetime8">
               <a:rPr lang="en-US" smtClean="0"/>
-              <a:t>6/1/2017 11:07 AM</a:t>
+              <a:t>6/9/2017 2:46 PM</a:t>
             </a:fld>
             <a:endParaRPr lang="en-US" dirty="0"/>
           </a:p>
@@ -1723,7 +1725,7 @@
           <a:p>
             <a:fld id="{38EEC551-8CDA-4EB6-89BB-2A86C9F091C8}" type="datetime8">
               <a:rPr lang="en-US" smtClean="0"/>
-              <a:t>6/1/2017 11:10 AM</a:t>
+              <a:t>6/9/2017 2:46 PM</a:t>
             </a:fld>
             <a:endParaRPr lang="en-US" dirty="0"/>
           </a:p>
@@ -1747,7 +1749,7 @@
             <a:fld id="{B4008EB6-D09E-4580-8CD6-DDB14511944F}" type="slidenum">
               <a:rPr lang="en-US" smtClean="0"/>
               <a:pPr/>
-              <a:t>14</a:t>
+              <a:t>15</a:t>
             </a:fld>
             <a:endParaRPr lang="en-US" dirty="0"/>
           </a:p>
@@ -2026,7 +2028,7 @@
                 <a:tabLst/>
                 <a:defRPr/>
               </a:pPr>
-              <a:t>6/1/2017 11:28 AM</a:t>
+              <a:t>6/9/2017 2:46 PM</a:t>
             </a:fld>
             <a:endParaRPr kumimoji="0" lang="en-US" sz="1200" b="0" i="0" u="none" strike="noStrike" kern="1200" cap="none" spc="0" normalizeH="0" baseline="0" noProof="0" dirty="0">
               <a:ln>
@@ -2109,7 +2111,7 @@
                 <a:tabLst/>
                 <a:defRPr/>
               </a:pPr>
-              <a:t>17</a:t>
+              <a:t>18</a:t>
             </a:fld>
             <a:endParaRPr kumimoji="0" lang="en-US" sz="1200" b="0" i="0" u="none" strike="noStrike" kern="1200" cap="none" spc="0" normalizeH="0" baseline="0" noProof="0" dirty="0">
               <a:ln>
@@ -2401,7 +2403,7 @@
                 <a:tabLst/>
                 <a:defRPr/>
               </a:pPr>
-              <a:t>6/1/2017 11:28 AM</a:t>
+              <a:t>6/9/2017 2:46 PM</a:t>
             </a:fld>
             <a:endParaRPr kumimoji="0" lang="en-US" sz="1200" b="0" i="0" u="none" strike="noStrike" kern="1200" cap="none" spc="0" normalizeH="0" baseline="0" noProof="0" dirty="0">
               <a:ln>
@@ -2484,7 +2486,7 @@
                 <a:tabLst/>
                 <a:defRPr/>
               </a:pPr>
-              <a:t>18</a:t>
+              <a:t>19</a:t>
             </a:fld>
             <a:endParaRPr kumimoji="0" lang="en-US" sz="1200" b="0" i="0" u="none" strike="noStrike" kern="1200" cap="none" spc="0" normalizeH="0" baseline="0" noProof="0" dirty="0">
               <a:ln>
@@ -2682,7 +2684,7 @@
           <a:p>
             <a:fld id="{38EEC551-8CDA-4EB6-89BB-2A86C9F091C8}" type="datetime8">
               <a:rPr lang="en-US" smtClean="0"/>
-              <a:t>6/1/2017 11:30 AM</a:t>
+              <a:t>6/9/2017 2:46 PM</a:t>
             </a:fld>
             <a:endParaRPr lang="en-US" dirty="0"/>
           </a:p>
@@ -2706,7 +2708,7 @@
             <a:fld id="{B4008EB6-D09E-4580-8CD6-DDB14511944F}" type="slidenum">
               <a:rPr lang="en-US" smtClean="0"/>
               <a:pPr/>
-              <a:t>19</a:t>
+              <a:t>20</a:t>
             </a:fld>
             <a:endParaRPr lang="en-US" dirty="0"/>
           </a:p>
@@ -41255,6 +41257,1468 @@
           <a:p>
             <a:r>
               <a:rPr lang="en-US" dirty="0"/>
+              <a:t>Dialogs</a:t>
+            </a:r>
+          </a:p>
+        </p:txBody>
+      </p:sp>
+      <p:sp>
+        <p:nvSpPr>
+          <p:cNvPr id="5" name="Text Placeholder 4"/>
+          <p:cNvSpPr>
+            <a:spLocks noGrp="1"/>
+          </p:cNvSpPr>
+          <p:nvPr>
+            <p:ph type="body" sz="quarter" idx="10"/>
+          </p:nvPr>
+        </p:nvSpPr>
+        <p:spPr/>
+        <p:txBody>
+          <a:bodyPr/>
+          <a:lstStyle/>
+          <a:p>
+            <a:r>
+              <a:rPr lang="en-US" dirty="0"/>
+              <a:t>Reusable modules</a:t>
+            </a:r>
+          </a:p>
+          <a:p>
+            <a:r>
+              <a:rPr lang="en-US" dirty="0"/>
+              <a:t>Perform a single operation</a:t>
+            </a:r>
+          </a:p>
+          <a:p>
+            <a:r>
+              <a:rPr lang="en-US" dirty="0"/>
+              <a:t>Callable from other dialogs</a:t>
+            </a:r>
+          </a:p>
+          <a:p>
+            <a:r>
+              <a:rPr lang="en-US" dirty="0"/>
+              <a:t>Can be made "global"</a:t>
+            </a:r>
+          </a:p>
+        </p:txBody>
+      </p:sp>
+    </p:spTree>
+    <p:extLst>
+      <p:ext uri="{BB962C8B-B14F-4D97-AF65-F5344CB8AC3E}">
+        <p14:creationId xmlns:p14="http://schemas.microsoft.com/office/powerpoint/2010/main" val="3780454951"/>
+      </p:ext>
+    </p:extLst>
+  </p:cSld>
+  <p:clrMapOvr>
+    <a:masterClrMapping/>
+  </p:clrMapOvr>
+  <p:transition>
+    <p:fade/>
+  </p:transition>
+</p:sld>
+</file>
+
+<file path=ppt/slides/slide12.xml><?xml version="1.0" encoding="utf-8"?>
+<p:sld xmlns:a="http://schemas.openxmlformats.org/drawingml/2006/main" xmlns:r="http://schemas.openxmlformats.org/officeDocument/2006/relationships" xmlns:p="http://schemas.openxmlformats.org/presentationml/2006/main">
+  <p:cSld>
+    <p:spTree>
+      <p:nvGrpSpPr>
+        <p:cNvPr id="1" name=""/>
+        <p:cNvGrpSpPr/>
+        <p:nvPr/>
+      </p:nvGrpSpPr>
+      <p:grpSpPr>
+        <a:xfrm>
+          <a:off x="0" y="0"/>
+          <a:ext cx="0" cy="0"/>
+          <a:chOff x="0" y="0"/>
+          <a:chExt cx="0" cy="0"/>
+        </a:xfrm>
+      </p:grpSpPr>
+      <p:sp>
+        <p:nvSpPr>
+          <p:cNvPr id="6" name="Speech Bubble: Rectangle with Corners Rounded 5"/>
+          <p:cNvSpPr/>
+          <p:nvPr/>
+        </p:nvSpPr>
+        <p:spPr bwMode="auto">
+          <a:xfrm>
+            <a:off x="350837" y="449262"/>
+            <a:ext cx="3352800" cy="762000"/>
+          </a:xfrm>
+          <a:prstGeom prst="wedgeRoundRectCallout">
+            <a:avLst/>
+          </a:prstGeom>
+          <a:ln>
+            <a:headEnd type="none" w="med" len="med"/>
+            <a:tailEnd type="none" w="med" len="med"/>
+          </a:ln>
+        </p:spPr>
+        <p:style>
+          <a:lnRef idx="2">
+            <a:schemeClr val="accent1">
+              <a:shade val="50000"/>
+            </a:schemeClr>
+          </a:lnRef>
+          <a:fillRef idx="1">
+            <a:schemeClr val="accent1"/>
+          </a:fillRef>
+          <a:effectRef idx="0">
+            <a:schemeClr val="accent1"/>
+          </a:effectRef>
+          <a:fontRef idx="minor">
+            <a:schemeClr val="lt1"/>
+          </a:fontRef>
+        </p:style>
+        <p:txBody>
+          <a:bodyPr rot="0" spcFirstLastPara="0" vertOverflow="overflow" horzOverflow="overflow" vert="horz" wrap="square" lIns="182880" tIns="146304" rIns="182880" bIns="146304" numCol="1" spcCol="0" rtlCol="0" fromWordArt="0" anchor="t" anchorCtr="0" forceAA="0" compatLnSpc="1">
+            <a:prstTxWarp prst="textNoShape">
+              <a:avLst/>
+            </a:prstTxWarp>
+            <a:noAutofit/>
+          </a:bodyPr>
+          <a:lstStyle/>
+          <a:p>
+            <a:pPr algn="ctr" defTabSz="932472" fontAlgn="base">
+              <a:lnSpc>
+                <a:spcPct val="90000"/>
+              </a:lnSpc>
+              <a:spcBef>
+                <a:spcPct val="0"/>
+              </a:spcBef>
+              <a:spcAft>
+                <a:spcPct val="0"/>
+              </a:spcAft>
+            </a:pPr>
+            <a:r>
+              <a:rPr lang="en-US" sz="2400" dirty="0">
+                <a:gradFill>
+                  <a:gsLst>
+                    <a:gs pos="0">
+                      <a:srgbClr val="FFFFFF"/>
+                    </a:gs>
+                    <a:gs pos="100000">
+                      <a:srgbClr val="FFFFFF"/>
+                    </a:gs>
+                  </a:gsLst>
+                  <a:lin ang="5400000" scaled="0"/>
+                </a:gradFill>
+                <a:ea typeface="Segoe UI" pitchFamily="34" charset="0"/>
+                <a:cs typeface="Segoe UI" pitchFamily="34" charset="0"/>
+              </a:rPr>
+              <a:t>Register</a:t>
+            </a:r>
+          </a:p>
+        </p:txBody>
+      </p:sp>
+      <p:sp>
+        <p:nvSpPr>
+          <p:cNvPr id="7" name="Speech Bubble: Rectangle with Corners Rounded 6"/>
+          <p:cNvSpPr/>
+          <p:nvPr/>
+        </p:nvSpPr>
+        <p:spPr bwMode="auto">
+          <a:xfrm>
+            <a:off x="350837" y="1668462"/>
+            <a:ext cx="3352800" cy="762000"/>
+          </a:xfrm>
+          <a:prstGeom prst="wedgeRoundRectCallout">
+            <a:avLst/>
+          </a:prstGeom>
+          <a:ln>
+            <a:headEnd type="none" w="med" len="med"/>
+            <a:tailEnd type="none" w="med" len="med"/>
+          </a:ln>
+        </p:spPr>
+        <p:style>
+          <a:lnRef idx="2">
+            <a:schemeClr val="accent2">
+              <a:shade val="50000"/>
+            </a:schemeClr>
+          </a:lnRef>
+          <a:fillRef idx="1">
+            <a:schemeClr val="accent2"/>
+          </a:fillRef>
+          <a:effectRef idx="0">
+            <a:schemeClr val="accent2"/>
+          </a:effectRef>
+          <a:fontRef idx="minor">
+            <a:schemeClr val="lt1"/>
+          </a:fontRef>
+        </p:style>
+        <p:txBody>
+          <a:bodyPr rot="0" spcFirstLastPara="0" vertOverflow="overflow" horzOverflow="overflow" vert="horz" wrap="square" lIns="182880" tIns="146304" rIns="182880" bIns="146304" numCol="1" spcCol="0" rtlCol="0" fromWordArt="0" anchor="t" anchorCtr="0" forceAA="0" compatLnSpc="1">
+            <a:prstTxWarp prst="textNoShape">
+              <a:avLst/>
+            </a:prstTxWarp>
+            <a:noAutofit/>
+          </a:bodyPr>
+          <a:lstStyle/>
+          <a:p>
+            <a:pPr algn="ctr" defTabSz="932472" fontAlgn="base">
+              <a:lnSpc>
+                <a:spcPct val="90000"/>
+              </a:lnSpc>
+              <a:spcBef>
+                <a:spcPct val="0"/>
+              </a:spcBef>
+              <a:spcAft>
+                <a:spcPct val="0"/>
+              </a:spcAft>
+            </a:pPr>
+            <a:r>
+              <a:rPr lang="en-US" sz="2400" dirty="0" err="1">
+                <a:gradFill>
+                  <a:gsLst>
+                    <a:gs pos="0">
+                      <a:srgbClr val="FFFFFF"/>
+                    </a:gs>
+                    <a:gs pos="100000">
+                      <a:srgbClr val="FFFFFF"/>
+                    </a:gs>
+                  </a:gsLst>
+                  <a:lin ang="5400000" scaled="0"/>
+                </a:gradFill>
+                <a:ea typeface="Segoe UI" pitchFamily="34" charset="0"/>
+                <a:cs typeface="Segoe UI" pitchFamily="34" charset="0"/>
+              </a:rPr>
+              <a:t>CancelRegistration</a:t>
+            </a:r>
+            <a:endParaRPr lang="en-US" sz="2400" dirty="0">
+              <a:gradFill>
+                <a:gsLst>
+                  <a:gs pos="0">
+                    <a:srgbClr val="FFFFFF"/>
+                  </a:gs>
+                  <a:gs pos="100000">
+                    <a:srgbClr val="FFFFFF"/>
+                  </a:gs>
+                </a:gsLst>
+                <a:lin ang="5400000" scaled="0"/>
+              </a:gradFill>
+              <a:ea typeface="Segoe UI" pitchFamily="34" charset="0"/>
+              <a:cs typeface="Segoe UI" pitchFamily="34" charset="0"/>
+            </a:endParaRPr>
+          </a:p>
+        </p:txBody>
+      </p:sp>
+      <p:sp>
+        <p:nvSpPr>
+          <p:cNvPr id="8" name="Speech Bubble: Rectangle with Corners Rounded 7"/>
+          <p:cNvSpPr/>
+          <p:nvPr/>
+        </p:nvSpPr>
+        <p:spPr bwMode="auto">
+          <a:xfrm>
+            <a:off x="350837" y="2963862"/>
+            <a:ext cx="3352800" cy="762000"/>
+          </a:xfrm>
+          <a:prstGeom prst="wedgeRoundRectCallout">
+            <a:avLst/>
+          </a:prstGeom>
+          <a:ln>
+            <a:headEnd type="none" w="med" len="med"/>
+            <a:tailEnd type="none" w="med" len="med"/>
+          </a:ln>
+        </p:spPr>
+        <p:style>
+          <a:lnRef idx="2">
+            <a:schemeClr val="accent3">
+              <a:shade val="50000"/>
+            </a:schemeClr>
+          </a:lnRef>
+          <a:fillRef idx="1">
+            <a:schemeClr val="accent3"/>
+          </a:fillRef>
+          <a:effectRef idx="0">
+            <a:schemeClr val="accent3"/>
+          </a:effectRef>
+          <a:fontRef idx="minor">
+            <a:schemeClr val="lt1"/>
+          </a:fontRef>
+        </p:style>
+        <p:txBody>
+          <a:bodyPr rot="0" spcFirstLastPara="0" vertOverflow="overflow" horzOverflow="overflow" vert="horz" wrap="square" lIns="182880" tIns="146304" rIns="182880" bIns="146304" numCol="1" spcCol="0" rtlCol="0" fromWordArt="0" anchor="t" anchorCtr="0" forceAA="0" compatLnSpc="1">
+            <a:prstTxWarp prst="textNoShape">
+              <a:avLst/>
+            </a:prstTxWarp>
+            <a:noAutofit/>
+          </a:bodyPr>
+          <a:lstStyle/>
+          <a:p>
+            <a:pPr algn="ctr" defTabSz="932472" fontAlgn="base">
+              <a:lnSpc>
+                <a:spcPct val="90000"/>
+              </a:lnSpc>
+              <a:spcBef>
+                <a:spcPct val="0"/>
+              </a:spcBef>
+              <a:spcAft>
+                <a:spcPct val="0"/>
+              </a:spcAft>
+            </a:pPr>
+            <a:r>
+              <a:rPr lang="en-US" sz="2400" dirty="0" err="1">
+                <a:gradFill>
+                  <a:gsLst>
+                    <a:gs pos="0">
+                      <a:srgbClr val="FFFFFF"/>
+                    </a:gs>
+                    <a:gs pos="100000">
+                      <a:srgbClr val="FFFFFF"/>
+                    </a:gs>
+                  </a:gsLst>
+                  <a:lin ang="5400000" scaled="0"/>
+                </a:gradFill>
+                <a:ea typeface="Segoe UI" pitchFamily="34" charset="0"/>
+                <a:cs typeface="Segoe UI" pitchFamily="34" charset="0"/>
+              </a:rPr>
+              <a:t>CheckRegistration</a:t>
+            </a:r>
+            <a:endParaRPr lang="en-US" sz="2400" dirty="0">
+              <a:gradFill>
+                <a:gsLst>
+                  <a:gs pos="0">
+                    <a:srgbClr val="FFFFFF"/>
+                  </a:gs>
+                  <a:gs pos="100000">
+                    <a:srgbClr val="FFFFFF"/>
+                  </a:gs>
+                </a:gsLst>
+                <a:lin ang="5400000" scaled="0"/>
+              </a:gradFill>
+              <a:ea typeface="Segoe UI" pitchFamily="34" charset="0"/>
+              <a:cs typeface="Segoe UI" pitchFamily="34" charset="0"/>
+            </a:endParaRPr>
+          </a:p>
+        </p:txBody>
+      </p:sp>
+      <p:sp>
+        <p:nvSpPr>
+          <p:cNvPr id="9" name="Speech Bubble: Rectangle with Corners Rounded 8"/>
+          <p:cNvSpPr/>
+          <p:nvPr/>
+        </p:nvSpPr>
+        <p:spPr bwMode="auto">
+          <a:xfrm>
+            <a:off x="350837" y="4263447"/>
+            <a:ext cx="3352800" cy="762000"/>
+          </a:xfrm>
+          <a:prstGeom prst="wedgeRoundRectCallout">
+            <a:avLst/>
+          </a:prstGeom>
+          <a:ln>
+            <a:headEnd type="none" w="med" len="med"/>
+            <a:tailEnd type="none" w="med" len="med"/>
+          </a:ln>
+        </p:spPr>
+        <p:style>
+          <a:lnRef idx="2">
+            <a:schemeClr val="accent4">
+              <a:shade val="50000"/>
+            </a:schemeClr>
+          </a:lnRef>
+          <a:fillRef idx="1">
+            <a:schemeClr val="accent4"/>
+          </a:fillRef>
+          <a:effectRef idx="0">
+            <a:schemeClr val="accent4"/>
+          </a:effectRef>
+          <a:fontRef idx="minor">
+            <a:schemeClr val="lt1"/>
+          </a:fontRef>
+        </p:style>
+        <p:txBody>
+          <a:bodyPr rot="0" spcFirstLastPara="0" vertOverflow="overflow" horzOverflow="overflow" vert="horz" wrap="square" lIns="182880" tIns="146304" rIns="182880" bIns="146304" numCol="1" spcCol="0" rtlCol="0" fromWordArt="0" anchor="t" anchorCtr="0" forceAA="0" compatLnSpc="1">
+            <a:prstTxWarp prst="textNoShape">
+              <a:avLst/>
+            </a:prstTxWarp>
+            <a:noAutofit/>
+          </a:bodyPr>
+          <a:lstStyle/>
+          <a:p>
+            <a:pPr algn="ctr" defTabSz="932472" fontAlgn="base">
+              <a:lnSpc>
+                <a:spcPct val="90000"/>
+              </a:lnSpc>
+              <a:spcBef>
+                <a:spcPct val="0"/>
+              </a:spcBef>
+              <a:spcAft>
+                <a:spcPct val="0"/>
+              </a:spcAft>
+            </a:pPr>
+            <a:r>
+              <a:rPr lang="en-US" sz="2400" dirty="0" err="1">
+                <a:gradFill>
+                  <a:gsLst>
+                    <a:gs pos="0">
+                      <a:srgbClr val="FFFFFF"/>
+                    </a:gs>
+                    <a:gs pos="100000">
+                      <a:srgbClr val="FFFFFF"/>
+                    </a:gs>
+                  </a:gsLst>
+                  <a:lin ang="5400000" scaled="0"/>
+                </a:gradFill>
+                <a:ea typeface="Segoe UI" pitchFamily="34" charset="0"/>
+                <a:cs typeface="Segoe UI" pitchFamily="34" charset="0"/>
+              </a:rPr>
+              <a:t>LodgingInformation</a:t>
+            </a:r>
+            <a:endParaRPr lang="en-US" sz="2400" dirty="0">
+              <a:gradFill>
+                <a:gsLst>
+                  <a:gs pos="0">
+                    <a:srgbClr val="FFFFFF"/>
+                  </a:gs>
+                  <a:gs pos="100000">
+                    <a:srgbClr val="FFFFFF"/>
+                  </a:gs>
+                </a:gsLst>
+                <a:lin ang="5400000" scaled="0"/>
+              </a:gradFill>
+              <a:ea typeface="Segoe UI" pitchFamily="34" charset="0"/>
+              <a:cs typeface="Segoe UI" pitchFamily="34" charset="0"/>
+            </a:endParaRPr>
+          </a:p>
+        </p:txBody>
+      </p:sp>
+      <p:sp>
+        <p:nvSpPr>
+          <p:cNvPr id="10" name="Speech Bubble: Rectangle with Corners Rounded 9"/>
+          <p:cNvSpPr/>
+          <p:nvPr/>
+        </p:nvSpPr>
+        <p:spPr bwMode="auto">
+          <a:xfrm>
+            <a:off x="318942" y="5563032"/>
+            <a:ext cx="3352800" cy="762000"/>
+          </a:xfrm>
+          <a:prstGeom prst="wedgeRoundRectCallout">
+            <a:avLst/>
+          </a:prstGeom>
+          <a:ln>
+            <a:headEnd type="none" w="med" len="med"/>
+            <a:tailEnd type="none" w="med" len="med"/>
+          </a:ln>
+        </p:spPr>
+        <p:style>
+          <a:lnRef idx="2">
+            <a:schemeClr val="accent5">
+              <a:shade val="50000"/>
+            </a:schemeClr>
+          </a:lnRef>
+          <a:fillRef idx="1">
+            <a:schemeClr val="accent5"/>
+          </a:fillRef>
+          <a:effectRef idx="0">
+            <a:schemeClr val="accent5"/>
+          </a:effectRef>
+          <a:fontRef idx="minor">
+            <a:schemeClr val="lt1"/>
+          </a:fontRef>
+        </p:style>
+        <p:txBody>
+          <a:bodyPr rot="0" spcFirstLastPara="0" vertOverflow="overflow" horzOverflow="overflow" vert="horz" wrap="square" lIns="182880" tIns="146304" rIns="182880" bIns="146304" numCol="1" spcCol="0" rtlCol="0" fromWordArt="0" anchor="t" anchorCtr="0" forceAA="0" compatLnSpc="1">
+            <a:prstTxWarp prst="textNoShape">
+              <a:avLst/>
+            </a:prstTxWarp>
+            <a:noAutofit/>
+          </a:bodyPr>
+          <a:lstStyle/>
+          <a:p>
+            <a:pPr algn="ctr" defTabSz="932472" fontAlgn="base">
+              <a:lnSpc>
+                <a:spcPct val="90000"/>
+              </a:lnSpc>
+              <a:spcBef>
+                <a:spcPct val="0"/>
+              </a:spcBef>
+              <a:spcAft>
+                <a:spcPct val="0"/>
+              </a:spcAft>
+            </a:pPr>
+            <a:r>
+              <a:rPr lang="en-US" sz="2400" dirty="0" err="1">
+                <a:gradFill>
+                  <a:gsLst>
+                    <a:gs pos="0">
+                      <a:srgbClr val="FFFFFF"/>
+                    </a:gs>
+                    <a:gs pos="100000">
+                      <a:srgbClr val="FFFFFF"/>
+                    </a:gs>
+                  </a:gsLst>
+                  <a:lin ang="5400000" scaled="0"/>
+                </a:gradFill>
+                <a:ea typeface="Segoe UI" pitchFamily="34" charset="0"/>
+                <a:cs typeface="Segoe UI" pitchFamily="34" charset="0"/>
+              </a:rPr>
+              <a:t>BookRoom</a:t>
+            </a:r>
+            <a:endParaRPr lang="en-US" sz="2400" dirty="0">
+              <a:gradFill>
+                <a:gsLst>
+                  <a:gs pos="0">
+                    <a:srgbClr val="FFFFFF"/>
+                  </a:gs>
+                  <a:gs pos="100000">
+                    <a:srgbClr val="FFFFFF"/>
+                  </a:gs>
+                </a:gsLst>
+                <a:lin ang="5400000" scaled="0"/>
+              </a:gradFill>
+              <a:ea typeface="Segoe UI" pitchFamily="34" charset="0"/>
+              <a:cs typeface="Segoe UI" pitchFamily="34" charset="0"/>
+            </a:endParaRPr>
+          </a:p>
+        </p:txBody>
+      </p:sp>
+      <p:sp>
+        <p:nvSpPr>
+          <p:cNvPr id="11" name="Speech Bubble: Rectangle with Corners Rounded 10"/>
+          <p:cNvSpPr/>
+          <p:nvPr/>
+        </p:nvSpPr>
+        <p:spPr bwMode="auto">
+          <a:xfrm>
+            <a:off x="4387344" y="449262"/>
+            <a:ext cx="3352800" cy="762000"/>
+          </a:xfrm>
+          <a:prstGeom prst="wedgeRoundRectCallout">
+            <a:avLst/>
+          </a:prstGeom>
+          <a:ln>
+            <a:headEnd type="none" w="med" len="med"/>
+            <a:tailEnd type="none" w="med" len="med"/>
+          </a:ln>
+        </p:spPr>
+        <p:style>
+          <a:lnRef idx="2">
+            <a:schemeClr val="accent6">
+              <a:shade val="50000"/>
+            </a:schemeClr>
+          </a:lnRef>
+          <a:fillRef idx="1">
+            <a:schemeClr val="accent6"/>
+          </a:fillRef>
+          <a:effectRef idx="0">
+            <a:schemeClr val="accent6"/>
+          </a:effectRef>
+          <a:fontRef idx="minor">
+            <a:schemeClr val="lt1"/>
+          </a:fontRef>
+        </p:style>
+        <p:txBody>
+          <a:bodyPr rot="0" spcFirstLastPara="0" vertOverflow="overflow" horzOverflow="overflow" vert="horz" wrap="square" lIns="182880" tIns="146304" rIns="182880" bIns="146304" numCol="1" spcCol="0" rtlCol="0" fromWordArt="0" anchor="t" anchorCtr="0" forceAA="0" compatLnSpc="1">
+            <a:prstTxWarp prst="textNoShape">
+              <a:avLst/>
+            </a:prstTxWarp>
+            <a:noAutofit/>
+          </a:bodyPr>
+          <a:lstStyle/>
+          <a:p>
+            <a:pPr algn="ctr" defTabSz="932472" fontAlgn="base">
+              <a:lnSpc>
+                <a:spcPct val="90000"/>
+              </a:lnSpc>
+              <a:spcBef>
+                <a:spcPct val="0"/>
+              </a:spcBef>
+              <a:spcAft>
+                <a:spcPct val="0"/>
+              </a:spcAft>
+            </a:pPr>
+            <a:r>
+              <a:rPr lang="en-US" sz="2400" dirty="0" err="1">
+                <a:gradFill>
+                  <a:gsLst>
+                    <a:gs pos="0">
+                      <a:srgbClr val="FFFFFF"/>
+                    </a:gs>
+                    <a:gs pos="100000">
+                      <a:srgbClr val="FFFFFF"/>
+                    </a:gs>
+                  </a:gsLst>
+                  <a:lin ang="5400000" scaled="0"/>
+                </a:gradFill>
+                <a:ea typeface="Segoe UI" pitchFamily="34" charset="0"/>
+                <a:cs typeface="Segoe UI" pitchFamily="34" charset="0"/>
+              </a:rPr>
+              <a:t>CancelRoom</a:t>
+            </a:r>
+            <a:endParaRPr lang="en-US" sz="2400" dirty="0">
+              <a:gradFill>
+                <a:gsLst>
+                  <a:gs pos="0">
+                    <a:srgbClr val="FFFFFF"/>
+                  </a:gs>
+                  <a:gs pos="100000">
+                    <a:srgbClr val="FFFFFF"/>
+                  </a:gs>
+                </a:gsLst>
+                <a:lin ang="5400000" scaled="0"/>
+              </a:gradFill>
+              <a:ea typeface="Segoe UI" pitchFamily="34" charset="0"/>
+              <a:cs typeface="Segoe UI" pitchFamily="34" charset="0"/>
+            </a:endParaRPr>
+          </a:p>
+        </p:txBody>
+      </p:sp>
+      <p:sp>
+        <p:nvSpPr>
+          <p:cNvPr id="12" name="Speech Bubble: Rectangle with Corners Rounded 11"/>
+          <p:cNvSpPr/>
+          <p:nvPr/>
+        </p:nvSpPr>
+        <p:spPr bwMode="auto">
+          <a:xfrm>
+            <a:off x="4387344" y="1668462"/>
+            <a:ext cx="3352800" cy="762000"/>
+          </a:xfrm>
+          <a:prstGeom prst="wedgeRoundRectCallout">
+            <a:avLst/>
+          </a:prstGeom>
+          <a:ln>
+            <a:headEnd type="none" w="med" len="med"/>
+            <a:tailEnd type="none" w="med" len="med"/>
+          </a:ln>
+        </p:spPr>
+        <p:style>
+          <a:lnRef idx="2">
+            <a:schemeClr val="dk1">
+              <a:shade val="50000"/>
+            </a:schemeClr>
+          </a:lnRef>
+          <a:fillRef idx="1">
+            <a:schemeClr val="dk1"/>
+          </a:fillRef>
+          <a:effectRef idx="0">
+            <a:schemeClr val="dk1"/>
+          </a:effectRef>
+          <a:fontRef idx="minor">
+            <a:schemeClr val="lt1"/>
+          </a:fontRef>
+        </p:style>
+        <p:txBody>
+          <a:bodyPr rot="0" spcFirstLastPara="0" vertOverflow="overflow" horzOverflow="overflow" vert="horz" wrap="square" lIns="182880" tIns="146304" rIns="182880" bIns="146304" numCol="1" spcCol="0" rtlCol="0" fromWordArt="0" anchor="t" anchorCtr="0" forceAA="0" compatLnSpc="1">
+            <a:prstTxWarp prst="textNoShape">
+              <a:avLst/>
+            </a:prstTxWarp>
+            <a:noAutofit/>
+          </a:bodyPr>
+          <a:lstStyle/>
+          <a:p>
+            <a:pPr algn="ctr" defTabSz="932472" fontAlgn="base">
+              <a:lnSpc>
+                <a:spcPct val="90000"/>
+              </a:lnSpc>
+              <a:spcBef>
+                <a:spcPct val="0"/>
+              </a:spcBef>
+              <a:spcAft>
+                <a:spcPct val="0"/>
+              </a:spcAft>
+            </a:pPr>
+            <a:r>
+              <a:rPr lang="en-US" sz="2400" dirty="0" err="1">
+                <a:gradFill>
+                  <a:gsLst>
+                    <a:gs pos="0">
+                      <a:srgbClr val="FFFFFF"/>
+                    </a:gs>
+                    <a:gs pos="100000">
+                      <a:srgbClr val="FFFFFF"/>
+                    </a:gs>
+                  </a:gsLst>
+                  <a:lin ang="5400000" scaled="0"/>
+                </a:gradFill>
+                <a:ea typeface="Segoe UI" pitchFamily="34" charset="0"/>
+                <a:cs typeface="Segoe UI" pitchFamily="34" charset="0"/>
+              </a:rPr>
+              <a:t>PartyRegistration</a:t>
+            </a:r>
+            <a:endParaRPr lang="en-US" sz="2400" dirty="0">
+              <a:gradFill>
+                <a:gsLst>
+                  <a:gs pos="0">
+                    <a:srgbClr val="FFFFFF"/>
+                  </a:gs>
+                  <a:gs pos="100000">
+                    <a:srgbClr val="FFFFFF"/>
+                  </a:gs>
+                </a:gsLst>
+                <a:lin ang="5400000" scaled="0"/>
+              </a:gradFill>
+              <a:ea typeface="Segoe UI" pitchFamily="34" charset="0"/>
+              <a:cs typeface="Segoe UI" pitchFamily="34" charset="0"/>
+            </a:endParaRPr>
+          </a:p>
+        </p:txBody>
+      </p:sp>
+      <p:sp>
+        <p:nvSpPr>
+          <p:cNvPr id="13" name="Speech Bubble: Rectangle with Corners Rounded 12"/>
+          <p:cNvSpPr/>
+          <p:nvPr/>
+        </p:nvSpPr>
+        <p:spPr bwMode="auto">
+          <a:xfrm>
+            <a:off x="4387344" y="2963862"/>
+            <a:ext cx="3352800" cy="762000"/>
+          </a:xfrm>
+          <a:prstGeom prst="wedgeRoundRectCallout">
+            <a:avLst/>
+          </a:prstGeom>
+          <a:ln>
+            <a:headEnd type="none" w="med" len="med"/>
+            <a:tailEnd type="none" w="med" len="med"/>
+          </a:ln>
+        </p:spPr>
+        <p:style>
+          <a:lnRef idx="2">
+            <a:schemeClr val="accent1">
+              <a:shade val="50000"/>
+            </a:schemeClr>
+          </a:lnRef>
+          <a:fillRef idx="1">
+            <a:schemeClr val="accent1"/>
+          </a:fillRef>
+          <a:effectRef idx="0">
+            <a:schemeClr val="accent1"/>
+          </a:effectRef>
+          <a:fontRef idx="minor">
+            <a:schemeClr val="lt1"/>
+          </a:fontRef>
+        </p:style>
+        <p:txBody>
+          <a:bodyPr rot="0" spcFirstLastPara="0" vertOverflow="overflow" horzOverflow="overflow" vert="horz" wrap="square" lIns="182880" tIns="146304" rIns="182880" bIns="146304" numCol="1" spcCol="0" rtlCol="0" fromWordArt="0" anchor="t" anchorCtr="0" forceAA="0" compatLnSpc="1">
+            <a:prstTxWarp prst="textNoShape">
+              <a:avLst/>
+            </a:prstTxWarp>
+            <a:noAutofit/>
+          </a:bodyPr>
+          <a:lstStyle/>
+          <a:p>
+            <a:pPr algn="ctr" defTabSz="932472" fontAlgn="base">
+              <a:lnSpc>
+                <a:spcPct val="90000"/>
+              </a:lnSpc>
+              <a:spcBef>
+                <a:spcPct val="0"/>
+              </a:spcBef>
+              <a:spcAft>
+                <a:spcPct val="0"/>
+              </a:spcAft>
+            </a:pPr>
+            <a:r>
+              <a:rPr lang="en-US" sz="2400" dirty="0" err="1">
+                <a:gradFill>
+                  <a:gsLst>
+                    <a:gs pos="0">
+                      <a:srgbClr val="FFFFFF"/>
+                    </a:gs>
+                    <a:gs pos="100000">
+                      <a:srgbClr val="FFFFFF"/>
+                    </a:gs>
+                  </a:gsLst>
+                  <a:lin ang="5400000" scaled="0"/>
+                </a:gradFill>
+                <a:cs typeface="Segoe UI" pitchFamily="34" charset="0"/>
+              </a:rPr>
+              <a:t>EventInformation</a:t>
+            </a:r>
+            <a:endParaRPr lang="en-US" sz="2400" dirty="0">
+              <a:gradFill>
+                <a:gsLst>
+                  <a:gs pos="0">
+                    <a:srgbClr val="FFFFFF"/>
+                  </a:gs>
+                  <a:gs pos="100000">
+                    <a:srgbClr val="FFFFFF"/>
+                  </a:gs>
+                </a:gsLst>
+                <a:lin ang="5400000" scaled="0"/>
+              </a:gradFill>
+              <a:cs typeface="Segoe UI" pitchFamily="34" charset="0"/>
+            </a:endParaRPr>
+          </a:p>
+        </p:txBody>
+      </p:sp>
+      <p:sp>
+        <p:nvSpPr>
+          <p:cNvPr id="14" name="Speech Bubble: Rectangle with Corners Rounded 13"/>
+          <p:cNvSpPr/>
+          <p:nvPr/>
+        </p:nvSpPr>
+        <p:spPr bwMode="auto">
+          <a:xfrm>
+            <a:off x="4387344" y="4263447"/>
+            <a:ext cx="3352800" cy="762000"/>
+          </a:xfrm>
+          <a:prstGeom prst="wedgeRoundRectCallout">
+            <a:avLst/>
+          </a:prstGeom>
+          <a:ln>
+            <a:headEnd type="none" w="med" len="med"/>
+            <a:tailEnd type="none" w="med" len="med"/>
+          </a:ln>
+        </p:spPr>
+        <p:style>
+          <a:lnRef idx="2">
+            <a:schemeClr val="accent2">
+              <a:shade val="50000"/>
+            </a:schemeClr>
+          </a:lnRef>
+          <a:fillRef idx="1">
+            <a:schemeClr val="accent2"/>
+          </a:fillRef>
+          <a:effectRef idx="0">
+            <a:schemeClr val="accent2"/>
+          </a:effectRef>
+          <a:fontRef idx="minor">
+            <a:schemeClr val="lt1"/>
+          </a:fontRef>
+        </p:style>
+        <p:txBody>
+          <a:bodyPr rot="0" spcFirstLastPara="0" vertOverflow="overflow" horzOverflow="overflow" vert="horz" wrap="square" lIns="182880" tIns="146304" rIns="182880" bIns="146304" numCol="1" spcCol="0" rtlCol="0" fromWordArt="0" anchor="t" anchorCtr="0" forceAA="0" compatLnSpc="1">
+            <a:prstTxWarp prst="textNoShape">
+              <a:avLst/>
+            </a:prstTxWarp>
+            <a:noAutofit/>
+          </a:bodyPr>
+          <a:lstStyle/>
+          <a:p>
+            <a:pPr algn="ctr" defTabSz="932472" fontAlgn="base">
+              <a:lnSpc>
+                <a:spcPct val="90000"/>
+              </a:lnSpc>
+              <a:spcBef>
+                <a:spcPct val="0"/>
+              </a:spcBef>
+              <a:spcAft>
+                <a:spcPct val="0"/>
+              </a:spcAft>
+            </a:pPr>
+            <a:r>
+              <a:rPr lang="en-US" sz="2400" dirty="0" err="1">
+                <a:gradFill>
+                  <a:gsLst>
+                    <a:gs pos="0">
+                      <a:srgbClr val="FFFFFF"/>
+                    </a:gs>
+                    <a:gs pos="100000">
+                      <a:srgbClr val="FFFFFF"/>
+                    </a:gs>
+                  </a:gsLst>
+                  <a:lin ang="5400000" scaled="0"/>
+                </a:gradFill>
+                <a:cs typeface="Segoe UI" pitchFamily="34" charset="0"/>
+              </a:rPr>
+              <a:t>SessionInformation</a:t>
+            </a:r>
+            <a:endParaRPr lang="en-US" sz="2400" dirty="0">
+              <a:gradFill>
+                <a:gsLst>
+                  <a:gs pos="0">
+                    <a:srgbClr val="FFFFFF"/>
+                  </a:gs>
+                  <a:gs pos="100000">
+                    <a:srgbClr val="FFFFFF"/>
+                  </a:gs>
+                </a:gsLst>
+                <a:lin ang="5400000" scaled="0"/>
+              </a:gradFill>
+              <a:cs typeface="Segoe UI" pitchFamily="34" charset="0"/>
+            </a:endParaRPr>
+          </a:p>
+        </p:txBody>
+      </p:sp>
+      <p:sp>
+        <p:nvSpPr>
+          <p:cNvPr id="15" name="Speech Bubble: Rectangle with Corners Rounded 14"/>
+          <p:cNvSpPr/>
+          <p:nvPr/>
+        </p:nvSpPr>
+        <p:spPr bwMode="auto">
+          <a:xfrm>
+            <a:off x="4355449" y="5563032"/>
+            <a:ext cx="3352800" cy="762000"/>
+          </a:xfrm>
+          <a:prstGeom prst="wedgeRoundRectCallout">
+            <a:avLst/>
+          </a:prstGeom>
+          <a:ln>
+            <a:headEnd type="none" w="med" len="med"/>
+            <a:tailEnd type="none" w="med" len="med"/>
+          </a:ln>
+        </p:spPr>
+        <p:style>
+          <a:lnRef idx="2">
+            <a:schemeClr val="accent3">
+              <a:shade val="50000"/>
+            </a:schemeClr>
+          </a:lnRef>
+          <a:fillRef idx="1">
+            <a:schemeClr val="accent3"/>
+          </a:fillRef>
+          <a:effectRef idx="0">
+            <a:schemeClr val="accent3"/>
+          </a:effectRef>
+          <a:fontRef idx="minor">
+            <a:schemeClr val="lt1"/>
+          </a:fontRef>
+        </p:style>
+        <p:txBody>
+          <a:bodyPr rot="0" spcFirstLastPara="0" vertOverflow="overflow" horzOverflow="overflow" vert="horz" wrap="square" lIns="182880" tIns="146304" rIns="182880" bIns="146304" numCol="1" spcCol="0" rtlCol="0" fromWordArt="0" anchor="t" anchorCtr="0" forceAA="0" compatLnSpc="1">
+            <a:prstTxWarp prst="textNoShape">
+              <a:avLst/>
+            </a:prstTxWarp>
+            <a:noAutofit/>
+          </a:bodyPr>
+          <a:lstStyle/>
+          <a:p>
+            <a:pPr algn="ctr" defTabSz="932472" fontAlgn="base">
+              <a:lnSpc>
+                <a:spcPct val="90000"/>
+              </a:lnSpc>
+              <a:spcBef>
+                <a:spcPct val="0"/>
+              </a:spcBef>
+              <a:spcAft>
+                <a:spcPct val="0"/>
+              </a:spcAft>
+            </a:pPr>
+            <a:r>
+              <a:rPr lang="en-US" sz="2400" dirty="0" err="1">
+                <a:gradFill>
+                  <a:gsLst>
+                    <a:gs pos="0">
+                      <a:srgbClr val="FFFFFF"/>
+                    </a:gs>
+                    <a:gs pos="100000">
+                      <a:srgbClr val="FFFFFF"/>
+                    </a:gs>
+                  </a:gsLst>
+                  <a:lin ang="5400000" scaled="0"/>
+                </a:gradFill>
+                <a:cs typeface="Segoe UI" pitchFamily="34" charset="0"/>
+              </a:rPr>
+              <a:t>SpeakerInformation</a:t>
+            </a:r>
+            <a:endParaRPr lang="en-US" sz="2400" dirty="0">
+              <a:gradFill>
+                <a:gsLst>
+                  <a:gs pos="0">
+                    <a:srgbClr val="FFFFFF"/>
+                  </a:gs>
+                  <a:gs pos="100000">
+                    <a:srgbClr val="FFFFFF"/>
+                  </a:gs>
+                </a:gsLst>
+                <a:lin ang="5400000" scaled="0"/>
+              </a:gradFill>
+              <a:cs typeface="Segoe UI" pitchFamily="34" charset="0"/>
+            </a:endParaRPr>
+          </a:p>
+        </p:txBody>
+      </p:sp>
+      <p:sp>
+        <p:nvSpPr>
+          <p:cNvPr id="16" name="Speech Bubble: Rectangle with Corners Rounded 15"/>
+          <p:cNvSpPr/>
+          <p:nvPr/>
+        </p:nvSpPr>
+        <p:spPr bwMode="auto">
+          <a:xfrm>
+            <a:off x="8423851" y="449262"/>
+            <a:ext cx="3352800" cy="762000"/>
+          </a:xfrm>
+          <a:prstGeom prst="wedgeRoundRectCallout">
+            <a:avLst/>
+          </a:prstGeom>
+          <a:ln>
+            <a:headEnd type="none" w="med" len="med"/>
+            <a:tailEnd type="none" w="med" len="med"/>
+          </a:ln>
+        </p:spPr>
+        <p:style>
+          <a:lnRef idx="2">
+            <a:schemeClr val="accent4">
+              <a:shade val="50000"/>
+            </a:schemeClr>
+          </a:lnRef>
+          <a:fillRef idx="1">
+            <a:schemeClr val="accent4"/>
+          </a:fillRef>
+          <a:effectRef idx="0">
+            <a:schemeClr val="accent4"/>
+          </a:effectRef>
+          <a:fontRef idx="minor">
+            <a:schemeClr val="lt1"/>
+          </a:fontRef>
+        </p:style>
+        <p:txBody>
+          <a:bodyPr rot="0" spcFirstLastPara="0" vertOverflow="overflow" horzOverflow="overflow" vert="horz" wrap="square" lIns="182880" tIns="146304" rIns="182880" bIns="146304" numCol="1" spcCol="0" rtlCol="0" fromWordArt="0" anchor="t" anchorCtr="0" forceAA="0" compatLnSpc="1">
+            <a:prstTxWarp prst="textNoShape">
+              <a:avLst/>
+            </a:prstTxWarp>
+            <a:noAutofit/>
+          </a:bodyPr>
+          <a:lstStyle/>
+          <a:p>
+            <a:pPr algn="ctr" defTabSz="932472" fontAlgn="base">
+              <a:lnSpc>
+                <a:spcPct val="90000"/>
+              </a:lnSpc>
+              <a:spcBef>
+                <a:spcPct val="0"/>
+              </a:spcBef>
+              <a:spcAft>
+                <a:spcPct val="0"/>
+              </a:spcAft>
+            </a:pPr>
+            <a:r>
+              <a:rPr lang="en-US" sz="2400" dirty="0" err="1">
+                <a:gradFill>
+                  <a:gsLst>
+                    <a:gs pos="0">
+                      <a:srgbClr val="FFFFFF"/>
+                    </a:gs>
+                    <a:gs pos="100000">
+                      <a:srgbClr val="FFFFFF"/>
+                    </a:gs>
+                  </a:gsLst>
+                  <a:lin ang="5400000" scaled="0"/>
+                </a:gradFill>
+                <a:cs typeface="Segoe UI" pitchFamily="34" charset="0"/>
+              </a:rPr>
+              <a:t>SubmitSession</a:t>
+            </a:r>
+            <a:endParaRPr lang="en-US" sz="2400" dirty="0">
+              <a:gradFill>
+                <a:gsLst>
+                  <a:gs pos="0">
+                    <a:srgbClr val="FFFFFF"/>
+                  </a:gs>
+                  <a:gs pos="100000">
+                    <a:srgbClr val="FFFFFF"/>
+                  </a:gs>
+                </a:gsLst>
+                <a:lin ang="5400000" scaled="0"/>
+              </a:gradFill>
+              <a:cs typeface="Segoe UI" pitchFamily="34" charset="0"/>
+            </a:endParaRPr>
+          </a:p>
+        </p:txBody>
+      </p:sp>
+      <p:sp>
+        <p:nvSpPr>
+          <p:cNvPr id="17" name="Speech Bubble: Rectangle with Corners Rounded 16"/>
+          <p:cNvSpPr/>
+          <p:nvPr/>
+        </p:nvSpPr>
+        <p:spPr bwMode="auto">
+          <a:xfrm>
+            <a:off x="8423851" y="1668462"/>
+            <a:ext cx="3352800" cy="762000"/>
+          </a:xfrm>
+          <a:prstGeom prst="wedgeRoundRectCallout">
+            <a:avLst/>
+          </a:prstGeom>
+          <a:ln>
+            <a:headEnd type="none" w="med" len="med"/>
+            <a:tailEnd type="none" w="med" len="med"/>
+          </a:ln>
+        </p:spPr>
+        <p:style>
+          <a:lnRef idx="2">
+            <a:schemeClr val="accent5">
+              <a:shade val="50000"/>
+            </a:schemeClr>
+          </a:lnRef>
+          <a:fillRef idx="1">
+            <a:schemeClr val="accent5"/>
+          </a:fillRef>
+          <a:effectRef idx="0">
+            <a:schemeClr val="accent5"/>
+          </a:effectRef>
+          <a:fontRef idx="minor">
+            <a:schemeClr val="lt1"/>
+          </a:fontRef>
+        </p:style>
+        <p:txBody>
+          <a:bodyPr rot="0" spcFirstLastPara="0" vertOverflow="overflow" horzOverflow="overflow" vert="horz" wrap="square" lIns="182880" tIns="146304" rIns="182880" bIns="146304" numCol="1" spcCol="0" rtlCol="0" fromWordArt="0" anchor="t" anchorCtr="0" forceAA="0" compatLnSpc="1">
+            <a:prstTxWarp prst="textNoShape">
+              <a:avLst/>
+            </a:prstTxWarp>
+            <a:noAutofit/>
+          </a:bodyPr>
+          <a:lstStyle/>
+          <a:p>
+            <a:pPr algn="ctr" defTabSz="932472" fontAlgn="base">
+              <a:lnSpc>
+                <a:spcPct val="90000"/>
+              </a:lnSpc>
+              <a:spcBef>
+                <a:spcPct val="0"/>
+              </a:spcBef>
+              <a:spcAft>
+                <a:spcPct val="0"/>
+              </a:spcAft>
+            </a:pPr>
+            <a:r>
+              <a:rPr lang="en-US" sz="2400" dirty="0" err="1">
+                <a:gradFill>
+                  <a:gsLst>
+                    <a:gs pos="0">
+                      <a:srgbClr val="FFFFFF"/>
+                    </a:gs>
+                    <a:gs pos="100000">
+                      <a:srgbClr val="FFFFFF"/>
+                    </a:gs>
+                  </a:gsLst>
+                  <a:lin ang="5400000" scaled="0"/>
+                </a:gradFill>
+                <a:cs typeface="Segoe UI" pitchFamily="34" charset="0"/>
+              </a:rPr>
+              <a:t>FindSession</a:t>
+            </a:r>
+            <a:endParaRPr lang="en-US" sz="2400" dirty="0">
+              <a:gradFill>
+                <a:gsLst>
+                  <a:gs pos="0">
+                    <a:srgbClr val="FFFFFF"/>
+                  </a:gs>
+                  <a:gs pos="100000">
+                    <a:srgbClr val="FFFFFF"/>
+                  </a:gs>
+                </a:gsLst>
+                <a:lin ang="5400000" scaled="0"/>
+              </a:gradFill>
+              <a:cs typeface="Segoe UI" pitchFamily="34" charset="0"/>
+            </a:endParaRPr>
+          </a:p>
+        </p:txBody>
+      </p:sp>
+      <p:sp>
+        <p:nvSpPr>
+          <p:cNvPr id="18" name="Speech Bubble: Rectangle with Corners Rounded 17"/>
+          <p:cNvSpPr/>
+          <p:nvPr/>
+        </p:nvSpPr>
+        <p:spPr bwMode="auto">
+          <a:xfrm>
+            <a:off x="8423851" y="2963862"/>
+            <a:ext cx="3352800" cy="762000"/>
+          </a:xfrm>
+          <a:prstGeom prst="wedgeRoundRectCallout">
+            <a:avLst/>
+          </a:prstGeom>
+          <a:ln>
+            <a:headEnd type="none" w="med" len="med"/>
+            <a:tailEnd type="none" w="med" len="med"/>
+          </a:ln>
+        </p:spPr>
+        <p:style>
+          <a:lnRef idx="2">
+            <a:schemeClr val="accent6">
+              <a:shade val="50000"/>
+            </a:schemeClr>
+          </a:lnRef>
+          <a:fillRef idx="1">
+            <a:schemeClr val="accent6"/>
+          </a:fillRef>
+          <a:effectRef idx="0">
+            <a:schemeClr val="accent6"/>
+          </a:effectRef>
+          <a:fontRef idx="minor">
+            <a:schemeClr val="lt1"/>
+          </a:fontRef>
+        </p:style>
+        <p:txBody>
+          <a:bodyPr rot="0" spcFirstLastPara="0" vertOverflow="overflow" horzOverflow="overflow" vert="horz" wrap="square" lIns="182880" tIns="146304" rIns="182880" bIns="146304" numCol="1" spcCol="0" rtlCol="0" fromWordArt="0" anchor="t" anchorCtr="0" forceAA="0" compatLnSpc="1">
+            <a:prstTxWarp prst="textNoShape">
+              <a:avLst/>
+            </a:prstTxWarp>
+            <a:noAutofit/>
+          </a:bodyPr>
+          <a:lstStyle/>
+          <a:p>
+            <a:pPr algn="ctr" defTabSz="932472" fontAlgn="base">
+              <a:lnSpc>
+                <a:spcPct val="90000"/>
+              </a:lnSpc>
+              <a:spcBef>
+                <a:spcPct val="0"/>
+              </a:spcBef>
+              <a:spcAft>
+                <a:spcPct val="0"/>
+              </a:spcAft>
+            </a:pPr>
+            <a:r>
+              <a:rPr lang="en-US" sz="2400" dirty="0" err="1">
+                <a:gradFill>
+                  <a:gsLst>
+                    <a:gs pos="0">
+                      <a:srgbClr val="FFFFFF"/>
+                    </a:gs>
+                    <a:gs pos="100000">
+                      <a:srgbClr val="FFFFFF"/>
+                    </a:gs>
+                  </a:gsLst>
+                  <a:lin ang="5400000" scaled="0"/>
+                </a:gradFill>
+                <a:cs typeface="Segoe UI" pitchFamily="34" charset="0"/>
+              </a:rPr>
+              <a:t>ChangeSession</a:t>
+            </a:r>
+            <a:endParaRPr lang="en-US" sz="2400" dirty="0">
+              <a:gradFill>
+                <a:gsLst>
+                  <a:gs pos="0">
+                    <a:srgbClr val="FFFFFF"/>
+                  </a:gs>
+                  <a:gs pos="100000">
+                    <a:srgbClr val="FFFFFF"/>
+                  </a:gs>
+                </a:gsLst>
+                <a:lin ang="5400000" scaled="0"/>
+              </a:gradFill>
+              <a:cs typeface="Segoe UI" pitchFamily="34" charset="0"/>
+            </a:endParaRPr>
+          </a:p>
+        </p:txBody>
+      </p:sp>
+      <p:sp>
+        <p:nvSpPr>
+          <p:cNvPr id="19" name="Speech Bubble: Rectangle with Corners Rounded 18"/>
+          <p:cNvSpPr/>
+          <p:nvPr/>
+        </p:nvSpPr>
+        <p:spPr bwMode="auto">
+          <a:xfrm>
+            <a:off x="8423851" y="4263447"/>
+            <a:ext cx="3352800" cy="762000"/>
+          </a:xfrm>
+          <a:prstGeom prst="wedgeRoundRectCallout">
+            <a:avLst/>
+          </a:prstGeom>
+          <a:ln>
+            <a:headEnd type="none" w="med" len="med"/>
+            <a:tailEnd type="none" w="med" len="med"/>
+          </a:ln>
+        </p:spPr>
+        <p:style>
+          <a:lnRef idx="2">
+            <a:schemeClr val="dk1">
+              <a:shade val="50000"/>
+            </a:schemeClr>
+          </a:lnRef>
+          <a:fillRef idx="1">
+            <a:schemeClr val="dk1"/>
+          </a:fillRef>
+          <a:effectRef idx="0">
+            <a:schemeClr val="dk1"/>
+          </a:effectRef>
+          <a:fontRef idx="minor">
+            <a:schemeClr val="lt1"/>
+          </a:fontRef>
+        </p:style>
+        <p:txBody>
+          <a:bodyPr rot="0" spcFirstLastPara="0" vertOverflow="overflow" horzOverflow="overflow" vert="horz" wrap="square" lIns="182880" tIns="146304" rIns="182880" bIns="146304" numCol="1" spcCol="0" rtlCol="0" fromWordArt="0" anchor="t" anchorCtr="0" forceAA="0" compatLnSpc="1">
+            <a:prstTxWarp prst="textNoShape">
+              <a:avLst/>
+            </a:prstTxWarp>
+            <a:noAutofit/>
+          </a:bodyPr>
+          <a:lstStyle/>
+          <a:p>
+            <a:pPr algn="ctr" defTabSz="932472" fontAlgn="base">
+              <a:lnSpc>
+                <a:spcPct val="90000"/>
+              </a:lnSpc>
+              <a:spcBef>
+                <a:spcPct val="0"/>
+              </a:spcBef>
+              <a:spcAft>
+                <a:spcPct val="0"/>
+              </a:spcAft>
+            </a:pPr>
+            <a:r>
+              <a:rPr lang="en-US" sz="2400" dirty="0" err="1">
+                <a:gradFill>
+                  <a:gsLst>
+                    <a:gs pos="0">
+                      <a:srgbClr val="FFFFFF"/>
+                    </a:gs>
+                    <a:gs pos="100000">
+                      <a:srgbClr val="FFFFFF"/>
+                    </a:gs>
+                  </a:gsLst>
+                  <a:lin ang="5400000" scaled="0"/>
+                </a:gradFill>
+                <a:cs typeface="Segoe UI" pitchFamily="34" charset="0"/>
+              </a:rPr>
+              <a:t>CancelSession</a:t>
+            </a:r>
+            <a:endParaRPr lang="en-US" sz="2400" dirty="0">
+              <a:gradFill>
+                <a:gsLst>
+                  <a:gs pos="0">
+                    <a:srgbClr val="FFFFFF"/>
+                  </a:gs>
+                  <a:gs pos="100000">
+                    <a:srgbClr val="FFFFFF"/>
+                  </a:gs>
+                </a:gsLst>
+                <a:lin ang="5400000" scaled="0"/>
+              </a:gradFill>
+              <a:cs typeface="Segoe UI" pitchFamily="34" charset="0"/>
+            </a:endParaRPr>
+          </a:p>
+        </p:txBody>
+      </p:sp>
+      <p:sp>
+        <p:nvSpPr>
+          <p:cNvPr id="20" name="Speech Bubble: Rectangle with Corners Rounded 19"/>
+          <p:cNvSpPr/>
+          <p:nvPr/>
+        </p:nvSpPr>
+        <p:spPr bwMode="auto">
+          <a:xfrm>
+            <a:off x="8391956" y="5563032"/>
+            <a:ext cx="3352800" cy="762000"/>
+          </a:xfrm>
+          <a:prstGeom prst="wedgeRoundRectCallout">
+            <a:avLst/>
+          </a:prstGeom>
+          <a:ln>
+            <a:headEnd type="none" w="med" len="med"/>
+            <a:tailEnd type="none" w="med" len="med"/>
+          </a:ln>
+        </p:spPr>
+        <p:style>
+          <a:lnRef idx="2">
+            <a:schemeClr val="accent1">
+              <a:shade val="50000"/>
+            </a:schemeClr>
+          </a:lnRef>
+          <a:fillRef idx="1">
+            <a:schemeClr val="accent1"/>
+          </a:fillRef>
+          <a:effectRef idx="0">
+            <a:schemeClr val="accent1"/>
+          </a:effectRef>
+          <a:fontRef idx="minor">
+            <a:schemeClr val="lt1"/>
+          </a:fontRef>
+        </p:style>
+        <p:txBody>
+          <a:bodyPr rot="0" spcFirstLastPara="0" vertOverflow="overflow" horzOverflow="overflow" vert="horz" wrap="square" lIns="182880" tIns="146304" rIns="182880" bIns="146304" numCol="1" spcCol="0" rtlCol="0" fromWordArt="0" anchor="t" anchorCtr="0" forceAA="0" compatLnSpc="1">
+            <a:prstTxWarp prst="textNoShape">
+              <a:avLst/>
+            </a:prstTxWarp>
+            <a:noAutofit/>
+          </a:bodyPr>
+          <a:lstStyle/>
+          <a:p>
+            <a:pPr algn="ctr" defTabSz="932472" fontAlgn="base">
+              <a:lnSpc>
+                <a:spcPct val="90000"/>
+              </a:lnSpc>
+              <a:spcBef>
+                <a:spcPct val="0"/>
+              </a:spcBef>
+              <a:spcAft>
+                <a:spcPct val="0"/>
+              </a:spcAft>
+            </a:pPr>
+            <a:r>
+              <a:rPr lang="en-US" sz="2400" dirty="0" err="1">
+                <a:gradFill>
+                  <a:gsLst>
+                    <a:gs pos="0">
+                      <a:srgbClr val="FFFFFF"/>
+                    </a:gs>
+                    <a:gs pos="100000">
+                      <a:srgbClr val="FFFFFF"/>
+                    </a:gs>
+                  </a:gsLst>
+                  <a:lin ang="5400000" scaled="0"/>
+                </a:gradFill>
+                <a:cs typeface="Segoe UI" pitchFamily="34" charset="0"/>
+              </a:rPr>
+              <a:t>PostPhoto</a:t>
+            </a:r>
+            <a:endParaRPr lang="en-US" sz="2400" dirty="0">
+              <a:gradFill>
+                <a:gsLst>
+                  <a:gs pos="0">
+                    <a:srgbClr val="FFFFFF"/>
+                  </a:gs>
+                  <a:gs pos="100000">
+                    <a:srgbClr val="FFFFFF"/>
+                  </a:gs>
+                </a:gsLst>
+                <a:lin ang="5400000" scaled="0"/>
+              </a:gradFill>
+              <a:cs typeface="Segoe UI" pitchFamily="34" charset="0"/>
+            </a:endParaRPr>
+          </a:p>
+        </p:txBody>
+      </p:sp>
+    </p:spTree>
+    <p:extLst>
+      <p:ext uri="{BB962C8B-B14F-4D97-AF65-F5344CB8AC3E}">
+        <p14:creationId xmlns:p14="http://schemas.microsoft.com/office/powerpoint/2010/main" val="1054242592"/>
+      </p:ext>
+    </p:extLst>
+  </p:cSld>
+  <p:clrMapOvr>
+    <a:masterClrMapping/>
+  </p:clrMapOvr>
+  <p:transition>
+    <p:fade/>
+  </p:transition>
+</p:sld>
+</file>
+
+<file path=ppt/slides/slide13.xml><?xml version="1.0" encoding="utf-8"?>
+<p:sld xmlns:a="http://schemas.openxmlformats.org/drawingml/2006/main" xmlns:r="http://schemas.openxmlformats.org/officeDocument/2006/relationships" xmlns:p="http://schemas.openxmlformats.org/presentationml/2006/main">
+  <p:cSld>
+    <p:spTree>
+      <p:nvGrpSpPr>
+        <p:cNvPr id="1" name=""/>
+        <p:cNvGrpSpPr/>
+        <p:nvPr/>
+      </p:nvGrpSpPr>
+      <p:grpSpPr>
+        <a:xfrm>
+          <a:off x="0" y="0"/>
+          <a:ext cx="0" cy="0"/>
+          <a:chOff x="0" y="0"/>
+          <a:chExt cx="0" cy="0"/>
+        </a:xfrm>
+      </p:grpSpPr>
+      <p:sp>
+        <p:nvSpPr>
+          <p:cNvPr id="4" name="Title 3"/>
+          <p:cNvSpPr>
+            <a:spLocks noGrp="1"/>
+          </p:cNvSpPr>
+          <p:nvPr>
+            <p:ph type="title"/>
+          </p:nvPr>
+        </p:nvSpPr>
+        <p:spPr/>
+        <p:txBody>
+          <a:bodyPr/>
+          <a:lstStyle/>
+          <a:p>
+            <a:r>
+              <a:rPr lang="en-US" dirty="0"/>
               <a:t>Dialog stack</a:t>
             </a:r>
           </a:p>
@@ -42332,102 +43796,7 @@
 </p:sld>
 </file>
 
-<file path=ppt/slides/slide12.xml><?xml version="1.0" encoding="utf-8"?>
-<p:sld xmlns:a="http://schemas.openxmlformats.org/drawingml/2006/main" xmlns:r="http://schemas.openxmlformats.org/officeDocument/2006/relationships" xmlns:p="http://schemas.openxmlformats.org/presentationml/2006/main">
-  <p:cSld>
-    <p:spTree>
-      <p:nvGrpSpPr>
-        <p:cNvPr id="1" name=""/>
-        <p:cNvGrpSpPr/>
-        <p:nvPr/>
-      </p:nvGrpSpPr>
-      <p:grpSpPr>
-        <a:xfrm>
-          <a:off x="0" y="0"/>
-          <a:ext cx="0" cy="0"/>
-          <a:chOff x="0" y="0"/>
-          <a:chExt cx="0" cy="0"/>
-        </a:xfrm>
-      </p:grpSpPr>
-      <p:sp>
-        <p:nvSpPr>
-          <p:cNvPr id="4" name="Title 3"/>
-          <p:cNvSpPr>
-            <a:spLocks noGrp="1"/>
-          </p:cNvSpPr>
-          <p:nvPr>
-            <p:ph type="title"/>
-          </p:nvPr>
-        </p:nvSpPr>
-        <p:spPr/>
-        <p:txBody>
-          <a:bodyPr/>
-          <a:lstStyle/>
-          <a:p>
-            <a:r>
-              <a:rPr lang="en-US" dirty="0"/>
-              <a:t>Dialogs</a:t>
-            </a:r>
-          </a:p>
-        </p:txBody>
-      </p:sp>
-      <p:sp>
-        <p:nvSpPr>
-          <p:cNvPr id="5" name="Text Placeholder 4"/>
-          <p:cNvSpPr>
-            <a:spLocks noGrp="1"/>
-          </p:cNvSpPr>
-          <p:nvPr>
-            <p:ph type="body" sz="quarter" idx="10"/>
-          </p:nvPr>
-        </p:nvSpPr>
-        <p:spPr/>
-        <p:txBody>
-          <a:bodyPr/>
-          <a:lstStyle/>
-          <a:p>
-            <a:r>
-              <a:rPr lang="en-US" dirty="0"/>
-              <a:t>Reusable modules</a:t>
-            </a:r>
-          </a:p>
-          <a:p>
-            <a:r>
-              <a:rPr lang="en-US" dirty="0"/>
-              <a:t>Perform a single operation</a:t>
-            </a:r>
-          </a:p>
-          <a:p>
-            <a:r>
-              <a:rPr lang="en-US" dirty="0"/>
-              <a:t>Callable from other dialogs</a:t>
-            </a:r>
-          </a:p>
-          <a:p>
-            <a:r>
-              <a:rPr lang="en-US" dirty="0"/>
-              <a:t>Can be made "global"</a:t>
-            </a:r>
-          </a:p>
-        </p:txBody>
-      </p:sp>
-    </p:spTree>
-    <p:extLst>
-      <p:ext uri="{BB962C8B-B14F-4D97-AF65-F5344CB8AC3E}">
-        <p14:creationId xmlns:p14="http://schemas.microsoft.com/office/powerpoint/2010/main" val="3780454951"/>
-      </p:ext>
-    </p:extLst>
-  </p:cSld>
-  <p:clrMapOvr>
-    <a:masterClrMapping/>
-  </p:clrMapOvr>
-  <p:transition>
-    <p:fade/>
-  </p:transition>
-</p:sld>
-</file>
-
-<file path=ppt/slides/slide13.xml><?xml version="1.0" encoding="utf-8"?>
+<file path=ppt/slides/slide14.xml><?xml version="1.0" encoding="utf-8"?>
 <p:sld xmlns:a="http://schemas.openxmlformats.org/drawingml/2006/main" xmlns:r="http://schemas.openxmlformats.org/officeDocument/2006/relationships" xmlns:p="http://schemas.openxmlformats.org/presentationml/2006/main">
   <p:cSld>
     <p:spTree>
@@ -42928,7 +44297,7 @@
 </p:sld>
 </file>
 
-<file path=ppt/slides/slide14.xml><?xml version="1.0" encoding="utf-8"?>
+<file path=ppt/slides/slide15.xml><?xml version="1.0" encoding="utf-8"?>
 <p:sld xmlns:a="http://schemas.openxmlformats.org/drawingml/2006/main" xmlns:r="http://schemas.openxmlformats.org/officeDocument/2006/relationships" xmlns:p="http://schemas.openxmlformats.org/presentationml/2006/main">
   <p:cSld>
     <p:spTree>
@@ -42992,7 +44361,7 @@
 </p:sld>
 </file>
 
-<file path=ppt/slides/slide15.xml><?xml version="1.0" encoding="utf-8"?>
+<file path=ppt/slides/slide16.xml><?xml version="1.0" encoding="utf-8"?>
 <p:sld xmlns:a="http://schemas.openxmlformats.org/drawingml/2006/main" xmlns:r="http://schemas.openxmlformats.org/officeDocument/2006/relationships" xmlns:p="http://schemas.openxmlformats.org/presentationml/2006/main">
   <p:cSld>
     <p:spTree>
@@ -43437,7 +44806,7 @@
 </p:sld>
 </file>
 
-<file path=ppt/slides/slide16.xml><?xml version="1.0" encoding="utf-8"?>
+<file path=ppt/slides/slide17.xml><?xml version="1.0" encoding="utf-8"?>
 <p:sld xmlns:a="http://schemas.openxmlformats.org/drawingml/2006/main" xmlns:r="http://schemas.openxmlformats.org/officeDocument/2006/relationships" xmlns:p="http://schemas.openxmlformats.org/presentationml/2006/main">
   <p:cSld>
     <p:spTree>
@@ -43763,7 +45132,7 @@
 </p:sld>
 </file>
 
-<file path=ppt/slides/slide17.xml><?xml version="1.0" encoding="utf-8"?>
+<file path=ppt/slides/slide18.xml><?xml version="1.0" encoding="utf-8"?>
 <p:sld xmlns:a="http://schemas.openxmlformats.org/drawingml/2006/main" xmlns:r="http://schemas.openxmlformats.org/officeDocument/2006/relationships" xmlns:p="http://schemas.openxmlformats.org/presentationml/2006/main">
   <p:cSld>
     <p:bg>
@@ -45633,7 +47002,7 @@
 </p:sld>
 </file>
 
-<file path=ppt/slides/slide18.xml><?xml version="1.0" encoding="utf-8"?>
+<file path=ppt/slides/slide19.xml><?xml version="1.0" encoding="utf-8"?>
 <p:sld xmlns:a="http://schemas.openxmlformats.org/drawingml/2006/main" xmlns:r="http://schemas.openxmlformats.org/officeDocument/2006/relationships" xmlns:p="http://schemas.openxmlformats.org/presentationml/2006/main">
   <p:cSld>
     <p:bg>
@@ -47256,7 +48625,76 @@
 </p:sld>
 </file>
 
-<file path=ppt/slides/slide19.xml><?xml version="1.0" encoding="utf-8"?>
+<file path=ppt/slides/slide2.xml><?xml version="1.0" encoding="utf-8"?>
+<p:sld xmlns:a="http://schemas.openxmlformats.org/drawingml/2006/main" xmlns:r="http://schemas.openxmlformats.org/officeDocument/2006/relationships" xmlns:p="http://schemas.openxmlformats.org/presentationml/2006/main">
+  <p:cSld>
+    <p:spTree>
+      <p:nvGrpSpPr>
+        <p:cNvPr id="1" name=""/>
+        <p:cNvGrpSpPr/>
+        <p:nvPr/>
+      </p:nvGrpSpPr>
+      <p:grpSpPr>
+        <a:xfrm>
+          <a:off x="0" y="0"/>
+          <a:ext cx="0" cy="0"/>
+          <a:chOff x="0" y="0"/>
+          <a:chExt cx="0" cy="0"/>
+        </a:xfrm>
+      </p:grpSpPr>
+      <p:sp>
+        <p:nvSpPr>
+          <p:cNvPr id="6" name="Title 5"/>
+          <p:cNvSpPr>
+            <a:spLocks noGrp="1"/>
+          </p:cNvSpPr>
+          <p:nvPr>
+            <p:ph type="title"/>
+          </p:nvPr>
+        </p:nvSpPr>
+        <p:spPr>
+          <a:xfrm>
+            <a:off x="274639" y="1209973"/>
+            <a:ext cx="10056812" cy="2179058"/>
+          </a:xfrm>
+        </p:spPr>
+        <p:txBody>
+          <a:bodyPr/>
+          <a:lstStyle/>
+          <a:p>
+            <a:r>
+              <a:rPr lang="en-US" dirty="0"/>
+              <a:t>Asking the user for simple information</a:t>
+            </a:r>
+          </a:p>
+        </p:txBody>
+      </p:sp>
+    </p:spTree>
+    <p:extLst>
+      <p:ext uri="{BB962C8B-B14F-4D97-AF65-F5344CB8AC3E}">
+        <p14:creationId xmlns:p14="http://schemas.microsoft.com/office/powerpoint/2010/main" val="3248703917"/>
+      </p:ext>
+    </p:extLst>
+  </p:cSld>
+  <p:clrMapOvr>
+    <a:masterClrMapping/>
+  </p:clrMapOvr>
+  <mc:AlternateContent xmlns:mc="http://schemas.openxmlformats.org/markup-compatibility/2006" xmlns:p14="http://schemas.microsoft.com/office/powerpoint/2010/main">
+    <mc:Choice Requires="p14">
+      <p:transition spd="slow" p14:dur="3400">
+        <p14:reveal/>
+      </p:transition>
+    </mc:Choice>
+    <mc:Fallback xmlns="">
+      <p:transition spd="slow">
+        <p:fade/>
+      </p:transition>
+    </mc:Fallback>
+  </mc:AlternateContent>
+</p:sld>
+</file>
+
+<file path=ppt/slides/slide20.xml><?xml version="1.0" encoding="utf-8"?>
 <p:sld xmlns:a="http://schemas.openxmlformats.org/drawingml/2006/main" xmlns:r="http://schemas.openxmlformats.org/officeDocument/2006/relationships" xmlns:p="http://schemas.openxmlformats.org/presentationml/2006/main">
   <p:cSld>
     <p:spTree>
@@ -47339,76 +48777,7 @@
 </p:sld>
 </file>
 
-<file path=ppt/slides/slide2.xml><?xml version="1.0" encoding="utf-8"?>
-<p:sld xmlns:a="http://schemas.openxmlformats.org/drawingml/2006/main" xmlns:r="http://schemas.openxmlformats.org/officeDocument/2006/relationships" xmlns:p="http://schemas.openxmlformats.org/presentationml/2006/main">
-  <p:cSld>
-    <p:spTree>
-      <p:nvGrpSpPr>
-        <p:cNvPr id="1" name=""/>
-        <p:cNvGrpSpPr/>
-        <p:nvPr/>
-      </p:nvGrpSpPr>
-      <p:grpSpPr>
-        <a:xfrm>
-          <a:off x="0" y="0"/>
-          <a:ext cx="0" cy="0"/>
-          <a:chOff x="0" y="0"/>
-          <a:chExt cx="0" cy="0"/>
-        </a:xfrm>
-      </p:grpSpPr>
-      <p:sp>
-        <p:nvSpPr>
-          <p:cNvPr id="6" name="Title 5"/>
-          <p:cNvSpPr>
-            <a:spLocks noGrp="1"/>
-          </p:cNvSpPr>
-          <p:nvPr>
-            <p:ph type="title"/>
-          </p:nvPr>
-        </p:nvSpPr>
-        <p:spPr>
-          <a:xfrm>
-            <a:off x="274639" y="1209973"/>
-            <a:ext cx="10056812" cy="2179058"/>
-          </a:xfrm>
-        </p:spPr>
-        <p:txBody>
-          <a:bodyPr/>
-          <a:lstStyle/>
-          <a:p>
-            <a:r>
-              <a:rPr lang="en-US" dirty="0"/>
-              <a:t>Asking the user for simple information</a:t>
-            </a:r>
-          </a:p>
-        </p:txBody>
-      </p:sp>
-    </p:spTree>
-    <p:extLst>
-      <p:ext uri="{BB962C8B-B14F-4D97-AF65-F5344CB8AC3E}">
-        <p14:creationId xmlns:p14="http://schemas.microsoft.com/office/powerpoint/2010/main" val="3248703917"/>
-      </p:ext>
-    </p:extLst>
-  </p:cSld>
-  <p:clrMapOvr>
-    <a:masterClrMapping/>
-  </p:clrMapOvr>
-  <mc:AlternateContent xmlns:mc="http://schemas.openxmlformats.org/markup-compatibility/2006" xmlns:p14="http://schemas.microsoft.com/office/powerpoint/2010/main">
-    <mc:Choice Requires="p14">
-      <p:transition spd="slow" p14:dur="3400">
-        <p14:reveal/>
-      </p:transition>
-    </mc:Choice>
-    <mc:Fallback xmlns="">
-      <p:transition spd="slow">
-        <p:fade/>
-      </p:transition>
-    </mc:Fallback>
-  </mc:AlternateContent>
-</p:sld>
-</file>
-
-<file path=ppt/slides/slide20.xml><?xml version="1.0" encoding="utf-8"?>
+<file path=ppt/slides/slide21.xml><?xml version="1.0" encoding="utf-8"?>
 <p:sld xmlns:a="http://schemas.openxmlformats.org/drawingml/2006/main" xmlns:r="http://schemas.openxmlformats.org/officeDocument/2006/relationships" xmlns:p="http://schemas.openxmlformats.org/presentationml/2006/main">
   <p:cSld>
     <p:spTree>
@@ -47532,7 +48901,7 @@
 </p:sld>
 </file>
 
-<file path=ppt/slides/slide21.xml><?xml version="1.0" encoding="utf-8"?>
+<file path=ppt/slides/slide22.xml><?xml version="1.0" encoding="utf-8"?>
 <p:sld xmlns:a="http://schemas.openxmlformats.org/drawingml/2006/main" xmlns:r="http://schemas.openxmlformats.org/officeDocument/2006/relationships" xmlns:p="http://schemas.openxmlformats.org/presentationml/2006/main">
   <p:cSld>
     <p:spTree>
@@ -51427,67 +52796,67 @@
 
 <file path=customXml/item1.xml><?xml version="1.0" encoding="utf-8"?>
 <Control xmlns="http://schemas.microsoft.com/VisualStudio/2011/storyboarding/control">
-  <Id Name="a2191c86-fc50-4add-948c-129f6b5a88d8" Revision="1" Stencil="7276b9ef-3953-4dce-a89b-ed85f20b8b93" StencilVersion="1.0"/>
+  <Id Name="fb22c541-ded0-47fa-8877-83a4c2d16227" Revision="1" Stencil="7276b9ef-3953-4dce-a89b-ed85f20b8b93" StencilVersion="1.0"/>
 </Control>
 </file>
 
 <file path=customXml/item10.xml><?xml version="1.0" encoding="utf-8"?>
 <Control xmlns="http://schemas.microsoft.com/VisualStudio/2011/storyboarding/control">
-  <Id Name="a53d73d2-368b-429e-b817-1324eec1382c" Revision="1" Stencil="7276b9ef-3953-4dce-a89b-ed85f20b8b93" StencilVersion="1.0"/>
+  <Id Name="a2191c86-fc50-4add-948c-129f6b5a88d8" Revision="1" Stencil="7276b9ef-3953-4dce-a89b-ed85f20b8b93" StencilVersion="1.0"/>
 </Control>
 </file>
 
 <file path=customXml/item11.xml><?xml version="1.0" encoding="utf-8"?>
 <Control xmlns="http://schemas.microsoft.com/VisualStudio/2011/storyboarding/control">
-  <Id Name="369f9055-6b6c-48b9-9320-5df2d46c430a" Revision="1" Stencil="7276b9ef-3953-4dce-a89b-ed85f20b8b93" StencilVersion="1.0"/>
+  <Id Name="d69996e1-3d61-4686-9b63-f1b855c596ab" Revision="1" Stencil="7276b9ef-3953-4dce-a89b-ed85f20b8b93" StencilVersion="1.0"/>
 </Control>
 </file>
 
 <file path=customXml/item12.xml><?xml version="1.0" encoding="utf-8"?>
 <Control xmlns="http://schemas.microsoft.com/VisualStudio/2011/storyboarding/control">
-  <Id Name="fb22c541-ded0-47fa-8877-83a4c2d16227" Revision="1" Stencil="7276b9ef-3953-4dce-a89b-ed85f20b8b93" StencilVersion="1.0"/>
+  <Id Name="369f9055-6b6c-48b9-9320-5df2d46c430a" Revision="1" Stencil="7276b9ef-3953-4dce-a89b-ed85f20b8b93" StencilVersion="1.0"/>
 </Control>
 </file>
 
 <file path=customXml/item13.xml><?xml version="1.0" encoding="utf-8"?>
 <Control xmlns="http://schemas.microsoft.com/VisualStudio/2011/storyboarding/control">
-  <Id Name="a2191c86-fc50-4add-948c-129f6b5a88d8" Revision="1" Stencil="7276b9ef-3953-4dce-a89b-ed85f20b8b93" StencilVersion="1.0"/>
+  <Id Name="d69996e1-3d61-4686-9b63-f1b855c596ab" Revision="1" Stencil="7276b9ef-3953-4dce-a89b-ed85f20b8b93" StencilVersion="1.0"/>
 </Control>
 </file>
 
 <file path=customXml/item14.xml><?xml version="1.0" encoding="utf-8"?>
 <Control xmlns="http://schemas.microsoft.com/VisualStudio/2011/storyboarding/control">
-  <Id Name="d69996e1-3d61-4686-9b63-f1b855c596ab" Revision="1" Stencil="7276b9ef-3953-4dce-a89b-ed85f20b8b93" StencilVersion="1.0"/>
+  <Id Name="a2191c86-fc50-4add-948c-129f6b5a88d8" Revision="1" Stencil="7276b9ef-3953-4dce-a89b-ed85f20b8b93" StencilVersion="1.0"/>
 </Control>
 </file>
 
 <file path=customXml/item15.xml><?xml version="1.0" encoding="utf-8"?>
 <Control xmlns="http://schemas.microsoft.com/VisualStudio/2011/storyboarding/control">
-  <Id Name="369f9055-6b6c-48b9-9320-5df2d46c430a" Revision="1" Stencil="7276b9ef-3953-4dce-a89b-ed85f20b8b93" StencilVersion="1.0"/>
+  <Id Name="a53d73d2-368b-429e-b817-1324eec1382c" Revision="1" Stencil="7276b9ef-3953-4dce-a89b-ed85f20b8b93" StencilVersion="1.0"/>
 </Control>
 </file>
 
 <file path=customXml/item16.xml><?xml version="1.0" encoding="utf-8"?>
 <Control xmlns="http://schemas.microsoft.com/VisualStudio/2011/storyboarding/control">
-  <Id Name="a53d73d2-368b-429e-b817-1324eec1382c" Revision="1" Stencil="7276b9ef-3953-4dce-a89b-ed85f20b8b93" StencilVersion="1.0"/>
+  <Id Name="369f9055-6b6c-48b9-9320-5df2d46c430a" Revision="1" Stencil="7276b9ef-3953-4dce-a89b-ed85f20b8b93" StencilVersion="1.0"/>
 </Control>
 </file>
 
 <file path=customXml/item17.xml><?xml version="1.0" encoding="utf-8"?>
 <Control xmlns="http://schemas.microsoft.com/VisualStudio/2011/storyboarding/control">
-  <Id Name="fb22c541-ded0-47fa-8877-83a4c2d16227" Revision="1" Stencil="7276b9ef-3953-4dce-a89b-ed85f20b8b93" StencilVersion="1.0"/>
+  <Id Name="a53d73d2-368b-429e-b817-1324eec1382c" Revision="1" Stencil="7276b9ef-3953-4dce-a89b-ed85f20b8b93" StencilVersion="1.0"/>
 </Control>
 </file>
 
 <file path=customXml/item18.xml><?xml version="1.0" encoding="utf-8"?>
 <Control xmlns="http://schemas.microsoft.com/VisualStudio/2011/storyboarding/control">
-  <Id Name="a53d73d2-368b-429e-b817-1324eec1382c" Revision="1" Stencil="7276b9ef-3953-4dce-a89b-ed85f20b8b93" StencilVersion="1.0"/>
+  <Id Name="369f9055-6b6c-48b9-9320-5df2d46c430a" Revision="1" Stencil="7276b9ef-3953-4dce-a89b-ed85f20b8b93" StencilVersion="1.0"/>
 </Control>
 </file>
 
 <file path=customXml/item19.xml><?xml version="1.0" encoding="utf-8"?>
 <Control xmlns="http://schemas.microsoft.com/VisualStudio/2011/storyboarding/control">
-  <Id Name="369f9055-6b6c-48b9-9320-5df2d46c430a" Revision="1" Stencil="7276b9ef-3953-4dce-a89b-ed85f20b8b93" StencilVersion="1.0"/>
+  <Id Name="fb22c541-ded0-47fa-8877-83a4c2d16227" Revision="1" Stencil="7276b9ef-3953-4dce-a89b-ed85f20b8b93" StencilVersion="1.0"/>
 </Control>
 </file>
 
@@ -51505,13 +52874,13 @@
 
 <file path=customXml/item21.xml><?xml version="1.0" encoding="utf-8"?>
 <Control xmlns="http://schemas.microsoft.com/VisualStudio/2011/storyboarding/control">
-  <Id Name="a2191c86-fc50-4add-948c-129f6b5a88d8" Revision="1" Stencil="7276b9ef-3953-4dce-a89b-ed85f20b8b93" StencilVersion="1.0"/>
+  <Id Name="369f9055-6b6c-48b9-9320-5df2d46c430a" Revision="1" Stencil="7276b9ef-3953-4dce-a89b-ed85f20b8b93" StencilVersion="1.0"/>
 </Control>
 </file>
 
 <file path=customXml/item22.xml><?xml version="1.0" encoding="utf-8"?>
 <Control xmlns="http://schemas.microsoft.com/VisualStudio/2011/storyboarding/control">
-  <Id Name="369f9055-6b6c-48b9-9320-5df2d46c430a" Revision="1" Stencil="7276b9ef-3953-4dce-a89b-ed85f20b8b93" StencilVersion="1.0"/>
+  <Id Name="fb22c541-ded0-47fa-8877-83a4c2d16227" Revision="1" Stencil="7276b9ef-3953-4dce-a89b-ed85f20b8b93" StencilVersion="1.0"/>
 </Control>
 </file>
 
@@ -51522,20 +52891,41 @@
 </file>
 
 <file path=customXml/item24.xml><?xml version="1.0" encoding="utf-8"?>
-<Control xmlns="http://schemas.microsoft.com/VisualStudio/2011/storyboarding/control">
-  <Id Name="fb22c541-ded0-47fa-8877-83a4c2d16227" Revision="1" Stencil="7276b9ef-3953-4dce-a89b-ed85f20b8b93" StencilVersion="1.0"/>
-</Control>
+<p:properties xmlns:p="http://schemas.microsoft.com/office/2006/metadata/properties" xmlns:xsi="http://www.w3.org/2001/XMLSchema-instance" xmlns:pc="http://schemas.microsoft.com/office/infopath/2007/PartnerControls">
+  <documentManagement>
+    <SharedWithUsers xmlns="83cd2334-221a-48c3-9034-bfd1542dfe28">
+      <UserInfo>
+        <DisplayName>Gilad Turbahn</DisplayName>
+        <AccountId>511</AccountId>
+        <AccountType/>
+      </UserInfo>
+      <UserInfo>
+        <DisplayName>Keith Boyd</DisplayName>
+        <AccountId>993</AccountId>
+        <AccountType/>
+      </UserInfo>
+      <UserInfo>
+        <DisplayName>Christopher Harrison</DisplayName>
+        <AccountId>1176</AccountId>
+        <AccountType/>
+      </UserInfo>
+    </SharedWithUsers>
+  </documentManagement>
+</p:properties>
 </file>
 
 <file path=customXml/item25.xml><?xml version="1.0" encoding="utf-8"?>
-<Control xmlns="http://schemas.microsoft.com/VisualStudio/2011/storyboarding/control">
-  <Id Name="d69996e1-3d61-4686-9b63-f1b855c596ab" Revision="1" Stencil="7276b9ef-3953-4dce-a89b-ed85f20b8b93" StencilVersion="1.0"/>
-</Control>
+<?mso-contentType ?>
+<FormTemplates xmlns="http://schemas.microsoft.com/sharepoint/v3/contenttype/forms">
+  <Display>DocumentLibraryForm</Display>
+  <Edit>DocumentLibraryForm</Edit>
+  <New>DocumentLibraryForm</New>
+</FormTemplates>
 </file>
 
 <file path=customXml/item26.xml><?xml version="1.0" encoding="utf-8"?>
 <Control xmlns="http://schemas.microsoft.com/VisualStudio/2011/storyboarding/control">
-  <Id Name="a2191c86-fc50-4add-948c-129f6b5a88d8" Revision="1" Stencil="7276b9ef-3953-4dce-a89b-ed85f20b8b93" StencilVersion="1.0"/>
+  <Id Name="fb22c541-ded0-47fa-8877-83a4c2d16227" Revision="1" Stencil="7276b9ef-3953-4dce-a89b-ed85f20b8b93" StencilVersion="1.0"/>
 </Control>
 </file>
 
@@ -51547,28 +52937,25 @@
 
 <file path=customXml/item28.xml><?xml version="1.0" encoding="utf-8"?>
 <Control xmlns="http://schemas.microsoft.com/VisualStudio/2011/storyboarding/control">
-  <Id Name="a2191c86-fc50-4add-948c-129f6b5a88d8" Revision="1" Stencil="7276b9ef-3953-4dce-a89b-ed85f20b8b93" StencilVersion="1.0"/>
+  <Id Name="d69996e1-3d61-4686-9b63-f1b855c596ab" Revision="1" Stencil="7276b9ef-3953-4dce-a89b-ed85f20b8b93" StencilVersion="1.0"/>
 </Control>
 </file>
 
 <file path=customXml/item29.xml><?xml version="1.0" encoding="utf-8"?>
 <Control xmlns="http://schemas.microsoft.com/VisualStudio/2011/storyboarding/control">
-  <Id Name="369f9055-6b6c-48b9-9320-5df2d46c430a" Revision="1" Stencil="7276b9ef-3953-4dce-a89b-ed85f20b8b93" StencilVersion="1.0"/>
+  <Id Name="a53d73d2-368b-429e-b817-1324eec1382c" Revision="1" Stencil="7276b9ef-3953-4dce-a89b-ed85f20b8b93" StencilVersion="1.0"/>
 </Control>
 </file>
 
 <file path=customXml/item3.xml><?xml version="1.0" encoding="utf-8"?>
-<?mso-contentType ?>
-<FormTemplates xmlns="http://schemas.microsoft.com/sharepoint/v3/contenttype/forms">
-  <Display>DocumentLibraryForm</Display>
-  <Edit>DocumentLibraryForm</Edit>
-  <New>DocumentLibraryForm</New>
-</FormTemplates>
+<Control xmlns="http://schemas.microsoft.com/VisualStudio/2011/storyboarding/control">
+  <Id Name="a53d73d2-368b-429e-b817-1324eec1382c" Revision="1" Stencil="7276b9ef-3953-4dce-a89b-ed85f20b8b93" StencilVersion="1.0"/>
+</Control>
 </file>
 
 <file path=customXml/item30.xml><?xml version="1.0" encoding="utf-8"?>
 <Control xmlns="http://schemas.microsoft.com/VisualStudio/2011/storyboarding/control">
-  <Id Name="d69996e1-3d61-4686-9b63-f1b855c596ab" Revision="1" Stencil="7276b9ef-3953-4dce-a89b-ed85f20b8b93" StencilVersion="1.0"/>
+  <Id Name="a2191c86-fc50-4add-948c-129f6b5a88d8" Revision="1" Stencil="7276b9ef-3953-4dce-a89b-ed85f20b8b93" StencilVersion="1.0"/>
 </Control>
 </file>
 
@@ -51586,23 +52973,29 @@
 
 <file path=customXml/item33.xml><?xml version="1.0" encoding="utf-8"?>
 <Control xmlns="http://schemas.microsoft.com/VisualStudio/2011/storyboarding/control">
-  <Id Name="a53d73d2-368b-429e-b817-1324eec1382c" Revision="1" Stencil="7276b9ef-3953-4dce-a89b-ed85f20b8b93" StencilVersion="1.0"/>
+  <Id Name="a2191c86-fc50-4add-948c-129f6b5a88d8" Revision="1" Stencil="7276b9ef-3953-4dce-a89b-ed85f20b8b93" StencilVersion="1.0"/>
 </Control>
 </file>
 
 <file path=customXml/item4.xml><?xml version="1.0" encoding="utf-8"?>
 <Control xmlns="http://schemas.microsoft.com/VisualStudio/2011/storyboarding/control">
-  <Id Name="369f9055-6b6c-48b9-9320-5df2d46c430a" Revision="1" Stencil="7276b9ef-3953-4dce-a89b-ed85f20b8b93" StencilVersion="1.0"/>
+  <Id Name="d69996e1-3d61-4686-9b63-f1b855c596ab" Revision="1" Stencil="7276b9ef-3953-4dce-a89b-ed85f20b8b93" StencilVersion="1.0"/>
 </Control>
 </file>
 
 <file path=customXml/item5.xml><?xml version="1.0" encoding="utf-8"?>
 <Control xmlns="http://schemas.microsoft.com/VisualStudio/2011/storyboarding/control">
-  <Id Name="d69996e1-3d61-4686-9b63-f1b855c596ab" Revision="1" Stencil="7276b9ef-3953-4dce-a89b-ed85f20b8b93" StencilVersion="1.0"/>
+  <Id Name="369f9055-6b6c-48b9-9320-5df2d46c430a" Revision="1" Stencil="7276b9ef-3953-4dce-a89b-ed85f20b8b93" StencilVersion="1.0"/>
 </Control>
 </file>
 
 <file path=customXml/item6.xml><?xml version="1.0" encoding="utf-8"?>
+<Control xmlns="http://schemas.microsoft.com/VisualStudio/2011/storyboarding/control">
+  <Id Name="a2191c86-fc50-4add-948c-129f6b5a88d8" Revision="1" Stencil="7276b9ef-3953-4dce-a89b-ed85f20b8b93" StencilVersion="1.0"/>
+</Control>
+</file>
+
+<file path=customXml/item7.xml><?xml version="1.0" encoding="utf-8"?>
 <ct:contentTypeSchema xmlns:ct="http://schemas.microsoft.com/office/2006/metadata/contentType" xmlns:ma="http://schemas.microsoft.com/office/2006/metadata/properties/metaAttributes" ct:_="" ma:_="" ma:contentTypeName="Document" ma:contentTypeID="0x010100674EDBEC711BD14FBA6FF5C10FEFEAC7" ma:contentTypeVersion="2" ma:contentTypeDescription="Create a new document." ma:contentTypeScope="" ma:versionID="2439c5e21841780d4f192983b535a097">
   <xsd:schema xmlns:xsd="http://www.w3.org/2001/XMLSchema" xmlns:xs="http://www.w3.org/2001/XMLSchema" xmlns:p="http://schemas.microsoft.com/office/2006/metadata/properties" xmlns:ns2="83cd2334-221a-48c3-9034-bfd1542dfe28" targetNamespace="http://schemas.microsoft.com/office/2006/metadata/properties" ma:root="true" ma:fieldsID="2bca9163d8d0b233c3086236a9289b04" ns2:_="">
     <xsd:import namespace="83cd2334-221a-48c3-9034-bfd1542dfe28"/>
@@ -51750,34 +53143,10 @@
 </ct:contentTypeSchema>
 </file>
 
-<file path=customXml/item7.xml><?xml version="1.0" encoding="utf-8"?>
+<file path=customXml/item8.xml><?xml version="1.0" encoding="utf-8"?>
 <Control xmlns="http://schemas.microsoft.com/VisualStudio/2011/storyboarding/control">
-  <Id Name="fb22c541-ded0-47fa-8877-83a4c2d16227" Revision="1" Stencil="7276b9ef-3953-4dce-a89b-ed85f20b8b93" StencilVersion="1.0"/>
+  <Id Name="369f9055-6b6c-48b9-9320-5df2d46c430a" Revision="1" Stencil="7276b9ef-3953-4dce-a89b-ed85f20b8b93" StencilVersion="1.0"/>
 </Control>
-</file>
-
-<file path=customXml/item8.xml><?xml version="1.0" encoding="utf-8"?>
-<p:properties xmlns:p="http://schemas.microsoft.com/office/2006/metadata/properties" xmlns:xsi="http://www.w3.org/2001/XMLSchema-instance" xmlns:pc="http://schemas.microsoft.com/office/infopath/2007/PartnerControls">
-  <documentManagement>
-    <SharedWithUsers xmlns="83cd2334-221a-48c3-9034-bfd1542dfe28">
-      <UserInfo>
-        <DisplayName>Gilad Turbahn</DisplayName>
-        <AccountId>511</AccountId>
-        <AccountType/>
-      </UserInfo>
-      <UserInfo>
-        <DisplayName>Keith Boyd</DisplayName>
-        <AccountId>993</AccountId>
-        <AccountType/>
-      </UserInfo>
-      <UserInfo>
-        <DisplayName>Christopher Harrison</DisplayName>
-        <AccountId>1176</AccountId>
-        <AccountType/>
-      </UserInfo>
-    </SharedWithUsers>
-  </documentManagement>
-</p:properties>
 </file>
 
 <file path=customXml/item9.xml><?xml version="1.0" encoding="utf-8"?>
@@ -51787,7 +53156,7 @@
 </file>
 
 <file path=customXml/itemProps1.xml><?xml version="1.0" encoding="utf-8"?>
-<ds:datastoreItem xmlns:ds="http://schemas.openxmlformats.org/officeDocument/2006/customXml" ds:itemID="{3C954CC5-1CAC-4EC3-9791-8630483065B9}">
+<ds:datastoreItem xmlns:ds="http://schemas.openxmlformats.org/officeDocument/2006/customXml" ds:itemID="{B5105A87-47B6-44F6-97FD-4619C0556604}">
   <ds:schemaRefs>
     <ds:schemaRef ds:uri="http://schemas.microsoft.com/VisualStudio/2011/storyboarding/control"/>
   </ds:schemaRefs>
@@ -51795,6 +53164,46 @@
 </file>
 
 <file path=customXml/itemProps10.xml><?xml version="1.0" encoding="utf-8"?>
+<ds:datastoreItem xmlns:ds="http://schemas.openxmlformats.org/officeDocument/2006/customXml" ds:itemID="{8BD595CA-AC5E-43B9-B966-E468A16E8322}">
+  <ds:schemaRefs>
+    <ds:schemaRef ds:uri="http://schemas.microsoft.com/VisualStudio/2011/storyboarding/control"/>
+  </ds:schemaRefs>
+</ds:datastoreItem>
+</file>
+
+<file path=customXml/itemProps11.xml><?xml version="1.0" encoding="utf-8"?>
+<ds:datastoreItem xmlns:ds="http://schemas.openxmlformats.org/officeDocument/2006/customXml" ds:itemID="{C63AC2F0-1DEB-4E91-A88A-7A014A172F4F}">
+  <ds:schemaRefs>
+    <ds:schemaRef ds:uri="http://schemas.microsoft.com/VisualStudio/2011/storyboarding/control"/>
+  </ds:schemaRefs>
+</ds:datastoreItem>
+</file>
+
+<file path=customXml/itemProps12.xml><?xml version="1.0" encoding="utf-8"?>
+<ds:datastoreItem xmlns:ds="http://schemas.openxmlformats.org/officeDocument/2006/customXml" ds:itemID="{08C4EE12-DF69-4FFC-9E40-C7991F3490A6}">
+  <ds:schemaRefs>
+    <ds:schemaRef ds:uri="http://schemas.microsoft.com/VisualStudio/2011/storyboarding/control"/>
+  </ds:schemaRefs>
+</ds:datastoreItem>
+</file>
+
+<file path=customXml/itemProps13.xml><?xml version="1.0" encoding="utf-8"?>
+<ds:datastoreItem xmlns:ds="http://schemas.openxmlformats.org/officeDocument/2006/customXml" ds:itemID="{0282FB20-2D4C-459D-8468-77D1D3C6925D}">
+  <ds:schemaRefs>
+    <ds:schemaRef ds:uri="http://schemas.microsoft.com/VisualStudio/2011/storyboarding/control"/>
+  </ds:schemaRefs>
+</ds:datastoreItem>
+</file>
+
+<file path=customXml/itemProps14.xml><?xml version="1.0" encoding="utf-8"?>
+<ds:datastoreItem xmlns:ds="http://schemas.openxmlformats.org/officeDocument/2006/customXml" ds:itemID="{4B16F4FE-7C26-4443-B426-81998D23ED87}">
+  <ds:schemaRefs>
+    <ds:schemaRef ds:uri="http://schemas.microsoft.com/VisualStudio/2011/storyboarding/control"/>
+  </ds:schemaRefs>
+</ds:datastoreItem>
+</file>
+
+<file path=customXml/itemProps15.xml><?xml version="1.0" encoding="utf-8"?>
 <ds:datastoreItem xmlns:ds="http://schemas.openxmlformats.org/officeDocument/2006/customXml" ds:itemID="{ED350DFE-2319-4AB0-BC96-1D36D125365A}">
   <ds:schemaRefs>
     <ds:schemaRef ds:uri="http://schemas.microsoft.com/VisualStudio/2011/storyboarding/control"/>
@@ -51802,48 +53211,8 @@
 </ds:datastoreItem>
 </file>
 
-<file path=customXml/itemProps11.xml><?xml version="1.0" encoding="utf-8"?>
-<ds:datastoreItem xmlns:ds="http://schemas.openxmlformats.org/officeDocument/2006/customXml" ds:itemID="{7959CC6A-F423-4783-B968-3BCC86A7394E}">
-  <ds:schemaRefs>
-    <ds:schemaRef ds:uri="http://schemas.microsoft.com/VisualStudio/2011/storyboarding/control"/>
-  </ds:schemaRefs>
-</ds:datastoreItem>
-</file>
-
-<file path=customXml/itemProps12.xml><?xml version="1.0" encoding="utf-8"?>
-<ds:datastoreItem xmlns:ds="http://schemas.openxmlformats.org/officeDocument/2006/customXml" ds:itemID="{4E8278DB-3CDD-48A7-992E-A7596AD335B9}">
-  <ds:schemaRefs>
-    <ds:schemaRef ds:uri="http://schemas.microsoft.com/VisualStudio/2011/storyboarding/control"/>
-  </ds:schemaRefs>
-</ds:datastoreItem>
-</file>
-
-<file path=customXml/itemProps13.xml><?xml version="1.0" encoding="utf-8"?>
-<ds:datastoreItem xmlns:ds="http://schemas.openxmlformats.org/officeDocument/2006/customXml" ds:itemID="{8257D6BC-B71E-4D95-81E4-A1D4A8174168}">
-  <ds:schemaRefs>
-    <ds:schemaRef ds:uri="http://schemas.microsoft.com/VisualStudio/2011/storyboarding/control"/>
-  </ds:schemaRefs>
-</ds:datastoreItem>
-</file>
-
-<file path=customXml/itemProps14.xml><?xml version="1.0" encoding="utf-8"?>
-<ds:datastoreItem xmlns:ds="http://schemas.openxmlformats.org/officeDocument/2006/customXml" ds:itemID="{67213E6F-7B96-4222-888B-63710B06D885}">
-  <ds:schemaRefs>
-    <ds:schemaRef ds:uri="http://schemas.microsoft.com/VisualStudio/2011/storyboarding/control"/>
-  </ds:schemaRefs>
-</ds:datastoreItem>
-</file>
-
-<file path=customXml/itemProps15.xml><?xml version="1.0" encoding="utf-8"?>
-<ds:datastoreItem xmlns:ds="http://schemas.openxmlformats.org/officeDocument/2006/customXml" ds:itemID="{08C4EE12-DF69-4FFC-9E40-C7991F3490A6}">
-  <ds:schemaRefs>
-    <ds:schemaRef ds:uri="http://schemas.microsoft.com/VisualStudio/2011/storyboarding/control"/>
-  </ds:schemaRefs>
-</ds:datastoreItem>
-</file>
-
 <file path=customXml/itemProps16.xml><?xml version="1.0" encoding="utf-8"?>
-<ds:datastoreItem xmlns:ds="http://schemas.openxmlformats.org/officeDocument/2006/customXml" ds:itemID="{F68D8396-E21C-4AFF-8FDD-70D00673D0EE}">
+<ds:datastoreItem xmlns:ds="http://schemas.openxmlformats.org/officeDocument/2006/customXml" ds:itemID="{38217AA1-CC95-49A9-B284-2ED4D347D7CA}">
   <ds:schemaRefs>
     <ds:schemaRef ds:uri="http://schemas.microsoft.com/VisualStudio/2011/storyboarding/control"/>
   </ds:schemaRefs>
@@ -51851,7 +53220,7 @@
 </file>
 
 <file path=customXml/itemProps17.xml><?xml version="1.0" encoding="utf-8"?>
-<ds:datastoreItem xmlns:ds="http://schemas.openxmlformats.org/officeDocument/2006/customXml" ds:itemID="{D6FEE829-2115-45B4-8110-670FD454542B}">
+<ds:datastoreItem xmlns:ds="http://schemas.openxmlformats.org/officeDocument/2006/customXml" ds:itemID="{21F6B647-976A-41D0-B760-9DF9DFC6AE3C}">
   <ds:schemaRefs>
     <ds:schemaRef ds:uri="http://schemas.microsoft.com/VisualStudio/2011/storyboarding/control"/>
   </ds:schemaRefs>
@@ -51859,7 +53228,7 @@
 </file>
 
 <file path=customXml/itemProps18.xml><?xml version="1.0" encoding="utf-8"?>
-<ds:datastoreItem xmlns:ds="http://schemas.openxmlformats.org/officeDocument/2006/customXml" ds:itemID="{8893E80D-6D0C-4E0F-AA22-E5615BB87E5B}">
+<ds:datastoreItem xmlns:ds="http://schemas.openxmlformats.org/officeDocument/2006/customXml" ds:itemID="{FE651ABA-5DC1-4ABD-A06E-055AE54B337B}">
   <ds:schemaRefs>
     <ds:schemaRef ds:uri="http://schemas.microsoft.com/VisualStudio/2011/storyboarding/control"/>
   </ds:schemaRefs>
@@ -51867,7 +53236,7 @@
 </file>
 
 <file path=customXml/itemProps19.xml><?xml version="1.0" encoding="utf-8"?>
-<ds:datastoreItem xmlns:ds="http://schemas.openxmlformats.org/officeDocument/2006/customXml" ds:itemID="{38217AA1-CC95-49A9-B284-2ED4D347D7CA}">
+<ds:datastoreItem xmlns:ds="http://schemas.openxmlformats.org/officeDocument/2006/customXml" ds:itemID="{376216F9-AF6B-4844-AE8C-B9F953F916AB}">
   <ds:schemaRefs>
     <ds:schemaRef ds:uri="http://schemas.microsoft.com/VisualStudio/2011/storyboarding/control"/>
   </ds:schemaRefs>
@@ -51883,6 +53252,134 @@
 </file>
 
 <file path=customXml/itemProps20.xml><?xml version="1.0" encoding="utf-8"?>
+<ds:datastoreItem xmlns:ds="http://schemas.openxmlformats.org/officeDocument/2006/customXml" ds:itemID="{67213E6F-7B96-4222-888B-63710B06D885}">
+  <ds:schemaRefs>
+    <ds:schemaRef ds:uri="http://schemas.microsoft.com/VisualStudio/2011/storyboarding/control"/>
+  </ds:schemaRefs>
+</ds:datastoreItem>
+</file>
+
+<file path=customXml/itemProps21.xml><?xml version="1.0" encoding="utf-8"?>
+<ds:datastoreItem xmlns:ds="http://schemas.openxmlformats.org/officeDocument/2006/customXml" ds:itemID="{82DB428A-B8F8-483F-8276-095629A8ECDB}">
+  <ds:schemaRefs>
+    <ds:schemaRef ds:uri="http://schemas.microsoft.com/VisualStudio/2011/storyboarding/control"/>
+  </ds:schemaRefs>
+</ds:datastoreItem>
+</file>
+
+<file path=customXml/itemProps22.xml><?xml version="1.0" encoding="utf-8"?>
+<ds:datastoreItem xmlns:ds="http://schemas.openxmlformats.org/officeDocument/2006/customXml" ds:itemID="{4C1B3C27-4803-4D72-A3F8-6668A3F0A24B}">
+  <ds:schemaRefs>
+    <ds:schemaRef ds:uri="http://schemas.microsoft.com/VisualStudio/2011/storyboarding/control"/>
+  </ds:schemaRefs>
+</ds:datastoreItem>
+</file>
+
+<file path=customXml/itemProps23.xml><?xml version="1.0" encoding="utf-8"?>
+<ds:datastoreItem xmlns:ds="http://schemas.openxmlformats.org/officeDocument/2006/customXml" ds:itemID="{366CA990-F93D-4100-9654-65D9E30F4E1C}">
+  <ds:schemaRefs>
+    <ds:schemaRef ds:uri="http://schemas.microsoft.com/VisualStudio/2011/storyboarding/control"/>
+  </ds:schemaRefs>
+</ds:datastoreItem>
+</file>
+
+<file path=customXml/itemProps24.xml><?xml version="1.0" encoding="utf-8"?>
+<ds:datastoreItem xmlns:ds="http://schemas.openxmlformats.org/officeDocument/2006/customXml" ds:itemID="{F990F116-B58F-4255-B05B-DA3808E0E5C6}">
+  <ds:schemaRefs>
+    <ds:schemaRef ds:uri="http://purl.org/dc/terms/"/>
+    <ds:schemaRef ds:uri="http://schemas.openxmlformats.org/package/2006/metadata/core-properties"/>
+    <ds:schemaRef ds:uri="http://schemas.microsoft.com/office/2006/documentManagement/types"/>
+    <ds:schemaRef ds:uri="http://schemas.microsoft.com/office/infopath/2007/PartnerControls"/>
+    <ds:schemaRef ds:uri="83cd2334-221a-48c3-9034-bfd1542dfe28"/>
+    <ds:schemaRef ds:uri="http://purl.org/dc/elements/1.1/"/>
+    <ds:schemaRef ds:uri="http://schemas.microsoft.com/office/2006/metadata/properties"/>
+    <ds:schemaRef ds:uri="http://www.w3.org/XML/1998/namespace"/>
+    <ds:schemaRef ds:uri="http://purl.org/dc/dcmitype/"/>
+  </ds:schemaRefs>
+</ds:datastoreItem>
+</file>
+
+<file path=customXml/itemProps25.xml><?xml version="1.0" encoding="utf-8"?>
+<ds:datastoreItem xmlns:ds="http://schemas.openxmlformats.org/officeDocument/2006/customXml" ds:itemID="{758FDAC0-319D-4A54-8D8E-1D42CB1F8004}">
+  <ds:schemaRefs>
+    <ds:schemaRef ds:uri="http://schemas.microsoft.com/sharepoint/v3/contenttype/forms"/>
+  </ds:schemaRefs>
+</ds:datastoreItem>
+</file>
+
+<file path=customXml/itemProps26.xml><?xml version="1.0" encoding="utf-8"?>
+<ds:datastoreItem xmlns:ds="http://schemas.openxmlformats.org/officeDocument/2006/customXml" ds:itemID="{4E8278DB-3CDD-48A7-992E-A7596AD335B9}">
+  <ds:schemaRefs>
+    <ds:schemaRef ds:uri="http://schemas.microsoft.com/VisualStudio/2011/storyboarding/control"/>
+  </ds:schemaRefs>
+</ds:datastoreItem>
+</file>
+
+<file path=customXml/itemProps27.xml><?xml version="1.0" encoding="utf-8"?>
+<ds:datastoreItem xmlns:ds="http://schemas.openxmlformats.org/officeDocument/2006/customXml" ds:itemID="{D6FEE829-2115-45B4-8110-670FD454542B}">
+  <ds:schemaRefs>
+    <ds:schemaRef ds:uri="http://schemas.microsoft.com/VisualStudio/2011/storyboarding/control"/>
+  </ds:schemaRefs>
+</ds:datastoreItem>
+</file>
+
+<file path=customXml/itemProps28.xml><?xml version="1.0" encoding="utf-8"?>
+<ds:datastoreItem xmlns:ds="http://schemas.openxmlformats.org/officeDocument/2006/customXml" ds:itemID="{3DC6CABD-46E1-4C27-A0B3-616DC56F8E5C}">
+  <ds:schemaRefs>
+    <ds:schemaRef ds:uri="http://schemas.microsoft.com/VisualStudio/2011/storyboarding/control"/>
+  </ds:schemaRefs>
+</ds:datastoreItem>
+</file>
+
+<file path=customXml/itemProps29.xml><?xml version="1.0" encoding="utf-8"?>
+<ds:datastoreItem xmlns:ds="http://schemas.openxmlformats.org/officeDocument/2006/customXml" ds:itemID="{6FB9D450-4C47-4A44-8C0D-C78D8A54C46F}">
+  <ds:schemaRefs>
+    <ds:schemaRef ds:uri="http://schemas.microsoft.com/VisualStudio/2011/storyboarding/control"/>
+  </ds:schemaRefs>
+</ds:datastoreItem>
+</file>
+
+<file path=customXml/itemProps3.xml><?xml version="1.0" encoding="utf-8"?>
+<ds:datastoreItem xmlns:ds="http://schemas.openxmlformats.org/officeDocument/2006/customXml" ds:itemID="{F68D8396-E21C-4AFF-8FDD-70D00673D0EE}">
+  <ds:schemaRefs>
+    <ds:schemaRef ds:uri="http://schemas.microsoft.com/VisualStudio/2011/storyboarding/control"/>
+  </ds:schemaRefs>
+</ds:datastoreItem>
+</file>
+
+<file path=customXml/itemProps30.xml><?xml version="1.0" encoding="utf-8"?>
+<ds:datastoreItem xmlns:ds="http://schemas.openxmlformats.org/officeDocument/2006/customXml" ds:itemID="{8257D6BC-B71E-4D95-81E4-A1D4A8174168}">
+  <ds:schemaRefs>
+    <ds:schemaRef ds:uri="http://schemas.microsoft.com/VisualStudio/2011/storyboarding/control"/>
+  </ds:schemaRefs>
+</ds:datastoreItem>
+</file>
+
+<file path=customXml/itemProps31.xml><?xml version="1.0" encoding="utf-8"?>
+<ds:datastoreItem xmlns:ds="http://schemas.openxmlformats.org/officeDocument/2006/customXml" ds:itemID="{8893E80D-6D0C-4E0F-AA22-E5615BB87E5B}">
+  <ds:schemaRefs>
+    <ds:schemaRef ds:uri="http://schemas.microsoft.com/VisualStudio/2011/storyboarding/control"/>
+  </ds:schemaRefs>
+</ds:datastoreItem>
+</file>
+
+<file path=customXml/itemProps32.xml><?xml version="1.0" encoding="utf-8"?>
+<ds:datastoreItem xmlns:ds="http://schemas.openxmlformats.org/officeDocument/2006/customXml" ds:itemID="{0B54C583-7BAB-4080-8093-C5F84F5A225A}">
+  <ds:schemaRefs>
+    <ds:schemaRef ds:uri="http://schemas.microsoft.com/VisualStudio/2011/storyboarding/control"/>
+  </ds:schemaRefs>
+</ds:datastoreItem>
+</file>
+
+<file path=customXml/itemProps33.xml><?xml version="1.0" encoding="utf-8"?>
+<ds:datastoreItem xmlns:ds="http://schemas.openxmlformats.org/officeDocument/2006/customXml" ds:itemID="{D4B5F268-5930-44CD-BDF1-D0A04D4BBC1C}">
+  <ds:schemaRefs>
+    <ds:schemaRef ds:uri="http://schemas.microsoft.com/VisualStudio/2011/storyboarding/control"/>
+  </ds:schemaRefs>
+</ds:datastoreItem>
+</file>
+
+<file path=customXml/itemProps4.xml><?xml version="1.0" encoding="utf-8"?>
 <ds:datastoreItem xmlns:ds="http://schemas.openxmlformats.org/officeDocument/2006/customXml" ds:itemID="{C0F92A87-A216-45A9-B9C0-0515663D35BF}">
   <ds:schemaRefs>
     <ds:schemaRef ds:uri="http://schemas.microsoft.com/VisualStudio/2011/storyboarding/control"/>
@@ -51890,71 +53387,7 @@
 </ds:datastoreItem>
 </file>
 
-<file path=customXml/itemProps21.xml><?xml version="1.0" encoding="utf-8"?>
-<ds:datastoreItem xmlns:ds="http://schemas.openxmlformats.org/officeDocument/2006/customXml" ds:itemID="{D4B5F268-5930-44CD-BDF1-D0A04D4BBC1C}">
-  <ds:schemaRefs>
-    <ds:schemaRef ds:uri="http://schemas.microsoft.com/VisualStudio/2011/storyboarding/control"/>
-  </ds:schemaRefs>
-</ds:datastoreItem>
-</file>
-
-<file path=customXml/itemProps22.xml><?xml version="1.0" encoding="utf-8"?>
-<ds:datastoreItem xmlns:ds="http://schemas.openxmlformats.org/officeDocument/2006/customXml" ds:itemID="{82DB428A-B8F8-483F-8276-095629A8ECDB}">
-  <ds:schemaRefs>
-    <ds:schemaRef ds:uri="http://schemas.microsoft.com/VisualStudio/2011/storyboarding/control"/>
-  </ds:schemaRefs>
-</ds:datastoreItem>
-</file>
-
-<file path=customXml/itemProps23.xml><?xml version="1.0" encoding="utf-8"?>
-<ds:datastoreItem xmlns:ds="http://schemas.openxmlformats.org/officeDocument/2006/customXml" ds:itemID="{0282FB20-2D4C-459D-8468-77D1D3C6925D}">
-  <ds:schemaRefs>
-    <ds:schemaRef ds:uri="http://schemas.microsoft.com/VisualStudio/2011/storyboarding/control"/>
-  </ds:schemaRefs>
-</ds:datastoreItem>
-</file>
-
-<file path=customXml/itemProps24.xml><?xml version="1.0" encoding="utf-8"?>
-<ds:datastoreItem xmlns:ds="http://schemas.openxmlformats.org/officeDocument/2006/customXml" ds:itemID="{432851C6-BC05-4673-B853-6D08AB80CDC4}">
-  <ds:schemaRefs>
-    <ds:schemaRef ds:uri="http://schemas.microsoft.com/VisualStudio/2011/storyboarding/control"/>
-  </ds:schemaRefs>
-</ds:datastoreItem>
-</file>
-
-<file path=customXml/itemProps25.xml><?xml version="1.0" encoding="utf-8"?>
-<ds:datastoreItem xmlns:ds="http://schemas.openxmlformats.org/officeDocument/2006/customXml" ds:itemID="{3DC6CABD-46E1-4C27-A0B3-616DC56F8E5C}">
-  <ds:schemaRefs>
-    <ds:schemaRef ds:uri="http://schemas.microsoft.com/VisualStudio/2011/storyboarding/control"/>
-  </ds:schemaRefs>
-</ds:datastoreItem>
-</file>
-
-<file path=customXml/itemProps26.xml><?xml version="1.0" encoding="utf-8"?>
-<ds:datastoreItem xmlns:ds="http://schemas.openxmlformats.org/officeDocument/2006/customXml" ds:itemID="{0B54C583-7BAB-4080-8093-C5F84F5A225A}">
-  <ds:schemaRefs>
-    <ds:schemaRef ds:uri="http://schemas.microsoft.com/VisualStudio/2011/storyboarding/control"/>
-  </ds:schemaRefs>
-</ds:datastoreItem>
-</file>
-
-<file path=customXml/itemProps27.xml><?xml version="1.0" encoding="utf-8"?>
-<ds:datastoreItem xmlns:ds="http://schemas.openxmlformats.org/officeDocument/2006/customXml" ds:itemID="{4C1B3C27-4803-4D72-A3F8-6668A3F0A24B}">
-  <ds:schemaRefs>
-    <ds:schemaRef ds:uri="http://schemas.microsoft.com/VisualStudio/2011/storyboarding/control"/>
-  </ds:schemaRefs>
-</ds:datastoreItem>
-</file>
-
-<file path=customXml/itemProps28.xml><?xml version="1.0" encoding="utf-8"?>
-<ds:datastoreItem xmlns:ds="http://schemas.openxmlformats.org/officeDocument/2006/customXml" ds:itemID="{4B16F4FE-7C26-4443-B426-81998D23ED87}">
-  <ds:schemaRefs>
-    <ds:schemaRef ds:uri="http://schemas.microsoft.com/VisualStudio/2011/storyboarding/control"/>
-  </ds:schemaRefs>
-</ds:datastoreItem>
-</file>
-
-<file path=customXml/itemProps29.xml><?xml version="1.0" encoding="utf-8"?>
+<file path=customXml/itemProps5.xml><?xml version="1.0" encoding="utf-8"?>
 <ds:datastoreItem xmlns:ds="http://schemas.openxmlformats.org/officeDocument/2006/customXml" ds:itemID="{42D603BF-B513-4201-A599-21BA0F4FFC40}">
   <ds:schemaRefs>
     <ds:schemaRef ds:uri="http://schemas.microsoft.com/VisualStudio/2011/storyboarding/control"/>
@@ -51962,63 +53395,15 @@
 </ds:datastoreItem>
 </file>
 
-<file path=customXml/itemProps3.xml><?xml version="1.0" encoding="utf-8"?>
-<ds:datastoreItem xmlns:ds="http://schemas.openxmlformats.org/officeDocument/2006/customXml" ds:itemID="{758FDAC0-319D-4A54-8D8E-1D42CB1F8004}">
-  <ds:schemaRefs>
-    <ds:schemaRef ds:uri="http://schemas.microsoft.com/sharepoint/v3/contenttype/forms"/>
-  </ds:schemaRefs>
-</ds:datastoreItem>
-</file>
-
-<file path=customXml/itemProps30.xml><?xml version="1.0" encoding="utf-8"?>
-<ds:datastoreItem xmlns:ds="http://schemas.openxmlformats.org/officeDocument/2006/customXml" ds:itemID="{366CA990-F93D-4100-9654-65D9E30F4E1C}">
+<file path=customXml/itemProps6.xml><?xml version="1.0" encoding="utf-8"?>
+<ds:datastoreItem xmlns:ds="http://schemas.openxmlformats.org/officeDocument/2006/customXml" ds:itemID="{3C954CC5-1CAC-4EC3-9791-8630483065B9}">
   <ds:schemaRefs>
     <ds:schemaRef ds:uri="http://schemas.microsoft.com/VisualStudio/2011/storyboarding/control"/>
   </ds:schemaRefs>
 </ds:datastoreItem>
 </file>
 
-<file path=customXml/itemProps31.xml><?xml version="1.0" encoding="utf-8"?>
-<ds:datastoreItem xmlns:ds="http://schemas.openxmlformats.org/officeDocument/2006/customXml" ds:itemID="{21F6B647-976A-41D0-B760-9DF9DFC6AE3C}">
-  <ds:schemaRefs>
-    <ds:schemaRef ds:uri="http://schemas.microsoft.com/VisualStudio/2011/storyboarding/control"/>
-  </ds:schemaRefs>
-</ds:datastoreItem>
-</file>
-
-<file path=customXml/itemProps32.xml><?xml version="1.0" encoding="utf-8"?>
-<ds:datastoreItem xmlns:ds="http://schemas.openxmlformats.org/officeDocument/2006/customXml" ds:itemID="{8BD595CA-AC5E-43B9-B966-E468A16E8322}">
-  <ds:schemaRefs>
-    <ds:schemaRef ds:uri="http://schemas.microsoft.com/VisualStudio/2011/storyboarding/control"/>
-  </ds:schemaRefs>
-</ds:datastoreItem>
-</file>
-
-<file path=customXml/itemProps33.xml><?xml version="1.0" encoding="utf-8"?>
-<ds:datastoreItem xmlns:ds="http://schemas.openxmlformats.org/officeDocument/2006/customXml" ds:itemID="{6FB9D450-4C47-4A44-8C0D-C78D8A54C46F}">
-  <ds:schemaRefs>
-    <ds:schemaRef ds:uri="http://schemas.microsoft.com/VisualStudio/2011/storyboarding/control"/>
-  </ds:schemaRefs>
-</ds:datastoreItem>
-</file>
-
-<file path=customXml/itemProps4.xml><?xml version="1.0" encoding="utf-8"?>
-<ds:datastoreItem xmlns:ds="http://schemas.openxmlformats.org/officeDocument/2006/customXml" ds:itemID="{FE651ABA-5DC1-4ABD-A06E-055AE54B337B}">
-  <ds:schemaRefs>
-    <ds:schemaRef ds:uri="http://schemas.microsoft.com/VisualStudio/2011/storyboarding/control"/>
-  </ds:schemaRefs>
-</ds:datastoreItem>
-</file>
-
-<file path=customXml/itemProps5.xml><?xml version="1.0" encoding="utf-8"?>
-<ds:datastoreItem xmlns:ds="http://schemas.openxmlformats.org/officeDocument/2006/customXml" ds:itemID="{C63AC2F0-1DEB-4E91-A88A-7A014A172F4F}">
-  <ds:schemaRefs>
-    <ds:schemaRef ds:uri="http://schemas.microsoft.com/VisualStudio/2011/storyboarding/control"/>
-  </ds:schemaRefs>
-</ds:datastoreItem>
-</file>
-
-<file path=customXml/itemProps6.xml><?xml version="1.0" encoding="utf-8"?>
+<file path=customXml/itemProps7.xml><?xml version="1.0" encoding="utf-8"?>
 <ds:datastoreItem xmlns:ds="http://schemas.openxmlformats.org/officeDocument/2006/customXml" ds:itemID="{11F98F69-7518-4AE2-AE7B-E037DC9DDC97}">
   <ds:schemaRefs>
     <ds:schemaRef ds:uri="http://schemas.microsoft.com/office/2006/metadata/contentType"/>
@@ -52036,32 +53421,16 @@
 </ds:datastoreItem>
 </file>
 
-<file path=customXml/itemProps7.xml><?xml version="1.0" encoding="utf-8"?>
-<ds:datastoreItem xmlns:ds="http://schemas.openxmlformats.org/officeDocument/2006/customXml" ds:itemID="{B5105A87-47B6-44F6-97FD-4619C0556604}">
+<file path=customXml/itemProps8.xml><?xml version="1.0" encoding="utf-8"?>
+<ds:datastoreItem xmlns:ds="http://schemas.openxmlformats.org/officeDocument/2006/customXml" ds:itemID="{7959CC6A-F423-4783-B968-3BCC86A7394E}">
   <ds:schemaRefs>
     <ds:schemaRef ds:uri="http://schemas.microsoft.com/VisualStudio/2011/storyboarding/control"/>
   </ds:schemaRefs>
 </ds:datastoreItem>
 </file>
 
-<file path=customXml/itemProps8.xml><?xml version="1.0" encoding="utf-8"?>
-<ds:datastoreItem xmlns:ds="http://schemas.openxmlformats.org/officeDocument/2006/customXml" ds:itemID="{F990F116-B58F-4255-B05B-DA3808E0E5C6}">
-  <ds:schemaRefs>
-    <ds:schemaRef ds:uri="http://purl.org/dc/terms/"/>
-    <ds:schemaRef ds:uri="http://schemas.openxmlformats.org/package/2006/metadata/core-properties"/>
-    <ds:schemaRef ds:uri="http://schemas.microsoft.com/office/2006/documentManagement/types"/>
-    <ds:schemaRef ds:uri="http://schemas.microsoft.com/office/infopath/2007/PartnerControls"/>
-    <ds:schemaRef ds:uri="83cd2334-221a-48c3-9034-bfd1542dfe28"/>
-    <ds:schemaRef ds:uri="http://purl.org/dc/elements/1.1/"/>
-    <ds:schemaRef ds:uri="http://schemas.microsoft.com/office/2006/metadata/properties"/>
-    <ds:schemaRef ds:uri="http://www.w3.org/XML/1998/namespace"/>
-    <ds:schemaRef ds:uri="http://purl.org/dc/dcmitype/"/>
-  </ds:schemaRefs>
-</ds:datastoreItem>
-</file>
-
 <file path=customXml/itemProps9.xml><?xml version="1.0" encoding="utf-8"?>
-<ds:datastoreItem xmlns:ds="http://schemas.openxmlformats.org/officeDocument/2006/customXml" ds:itemID="{376216F9-AF6B-4844-AE8C-B9F953F916AB}">
+<ds:datastoreItem xmlns:ds="http://schemas.openxmlformats.org/officeDocument/2006/customXml" ds:itemID="{432851C6-BC05-4673-B853-6D08AB80CDC4}">
   <ds:schemaRefs>
     <ds:schemaRef ds:uri="http://schemas.microsoft.com/VisualStudio/2011/storyboarding/control"/>
   </ds:schemaRefs>
